--- a/FINAL_YEAR_PROJECT_PPT.pptx
+++ b/FINAL_YEAR_PROJECT_PPT.pptx
@@ -24041,10 +24041,10 @@
       </p:sp>
       <p:pic>
         <p:nvPicPr>
-          <p:cNvPr id="4" name="Picture 3">
+          <p:cNvPr id="5" name="Picture 4">
             <a:extLst>
               <a:ext uri="{FF2B5EF4-FFF2-40B4-BE49-F238E27FC236}">
-                <a16:creationId xmlns:a16="http://schemas.microsoft.com/office/drawing/2014/main" id="{2A3FF68D-9D08-EF45-AA81-04E073A2F3E0}"/>
+                <a16:creationId xmlns:a16="http://schemas.microsoft.com/office/drawing/2014/main" id="{D9ADAFE6-250E-71DB-51AC-B9D38BB4120A}"/>
               </a:ext>
             </a:extLst>
           </p:cNvPr>
@@ -24061,8 +24061,8 @@
         </p:blipFill>
         <p:spPr>
           <a:xfrm>
-            <a:off x="893618" y="1787236"/>
-            <a:ext cx="7356763" cy="4211784"/>
+            <a:off x="360218" y="1799303"/>
+            <a:ext cx="8409709" cy="4075025"/>
           </a:xfrm>
           <a:prstGeom prst="rect">
             <a:avLst/>

--- a/FINAL_YEAR_PROJECT_PPT.pptx
+++ b/FINAL_YEAR_PROJECT_PPT.pptx
@@ -24041,10 +24041,10 @@
       </p:sp>
       <p:pic>
         <p:nvPicPr>
-          <p:cNvPr id="4" name="Picture 3">
+          <p:cNvPr id="7" name="Picture 6">
             <a:extLst>
               <a:ext uri="{FF2B5EF4-FFF2-40B4-BE49-F238E27FC236}">
-                <a16:creationId xmlns:a16="http://schemas.microsoft.com/office/drawing/2014/main" id="{2A3FF68D-9D08-EF45-AA81-04E073A2F3E0}"/>
+                <a16:creationId xmlns:a16="http://schemas.microsoft.com/office/drawing/2014/main" id="{46DA7223-58E4-202D-D83A-4ED97C902B34}"/>
               </a:ext>
             </a:extLst>
           </p:cNvPr>
@@ -24061,8 +24061,8 @@
         </p:blipFill>
         <p:spPr>
           <a:xfrm>
-            <a:off x="893618" y="1787236"/>
-            <a:ext cx="7356763" cy="4211784"/>
+            <a:off x="802432" y="1914474"/>
+            <a:ext cx="7539135" cy="3959854"/>
           </a:xfrm>
           <a:prstGeom prst="rect">
             <a:avLst/>

--- a/FINAL_YEAR_PROJECT_PPT.pptx
+++ b/FINAL_YEAR_PROJECT_PPT.pptx
@@ -6,7 +6,7 @@
     <p:sldMasterId id="2147483673" r:id="rId2"/>
   </p:sldMasterIdLst>
   <p:notesMasterIdLst>
-    <p:notesMasterId r:id="rId17"/>
+    <p:notesMasterId r:id="rId19"/>
   </p:notesMasterIdLst>
   <p:sldIdLst>
     <p:sldId id="270" r:id="rId3"/>
@@ -22,7 +22,9 @@
     <p:sldId id="277" r:id="rId13"/>
     <p:sldId id="273" r:id="rId14"/>
     <p:sldId id="282" r:id="rId15"/>
-    <p:sldId id="281" r:id="rId16"/>
+    <p:sldId id="291" r:id="rId16"/>
+    <p:sldId id="292" r:id="rId17"/>
+    <p:sldId id="281" r:id="rId18"/>
   </p:sldIdLst>
   <p:sldSz cx="9144000" cy="6858000" type="screen4x3"/>
   <p:notesSz cx="6858000" cy="9144000"/>
@@ -178,6 +180,8 @@
             <p14:sldId id="277"/>
             <p14:sldId id="273"/>
             <p14:sldId id="282"/>
+            <p14:sldId id="291"/>
+            <p14:sldId id="292"/>
             <p14:sldId id="281"/>
           </p14:sldIdLst>
         </p14:section>
@@ -12676,7 +12680,7 @@
                 <a:cs typeface="Roboto" panose="02000000000000000000" pitchFamily="2" charset="0"/>
                 <a:sym typeface="Roboto" panose="02000000000000000000" pitchFamily="2" charset="0"/>
               </a:rPr>
-              <a:t>SECOND REVIEW	</a:t>
+              <a:t>PROJECT EXPO 2023</a:t>
             </a:r>
           </a:p>
           <a:p>
@@ -13064,7 +13068,7 @@
         <p:spPr>
           <a:xfrm>
             <a:off x="4433888" y="3329691"/>
-            <a:ext cx="4213225" cy="1200329"/>
+            <a:ext cx="4213225" cy="923330"/>
           </a:xfrm>
           <a:prstGeom prst="rect">
             <a:avLst/>
@@ -13078,7 +13082,7 @@
           <a:lstStyle/>
           <a:p>
             <a:r>
-              <a:rPr lang="en-US" altLang="en-US" sz="1800" b="1">
+              <a:rPr lang="en-US" altLang="en-US" sz="1800" b="1" dirty="0">
                 <a:solidFill>
                   <a:srgbClr val="FFFFFF"/>
                 </a:solidFill>
@@ -13087,19 +13091,7 @@
                 <a:cs typeface="Roboto" panose="02000000000000000000" pitchFamily="2" charset="0"/>
                 <a:sym typeface="Roboto" panose="02000000000000000000" pitchFamily="2" charset="0"/>
               </a:rPr>
-              <a:t>ORDER DEMAND </a:t>
-            </a:r>
-            <a:r>
-              <a:rPr lang="en-US" altLang="en-US" sz="1800" b="1" dirty="0">
-                <a:solidFill>
-                  <a:srgbClr val="FFFFFF"/>
-                </a:solidFill>
-                <a:latin typeface="Roboto" panose="02000000000000000000" pitchFamily="2" charset="0"/>
-                <a:ea typeface="Roboto" panose="02000000000000000000" pitchFamily="2" charset="0"/>
-                <a:cs typeface="Roboto" panose="02000000000000000000" pitchFamily="2" charset="0"/>
-                <a:sym typeface="Roboto" panose="02000000000000000000" pitchFamily="2" charset="0"/>
-              </a:rPr>
-              <a:t>FORECASTING THROUGH CUSTOMER BEHAVIOR AND SEASONAL PATTERN WITH RISK ADJUSTED</a:t>
+              <a:t>ORDER DEMAND FORECASTING THROUGH CUSTOMER BEHAVIOR AND SEASONAL PATTERN</a:t>
             </a:r>
           </a:p>
         </p:txBody>
@@ -13484,8 +13476,8 @@
         </p:nvSpPr>
         <p:spPr>
           <a:xfrm>
-            <a:off x="304772" y="1932709"/>
-            <a:ext cx="8520600" cy="2992582"/>
+            <a:off x="311700" y="1970031"/>
+            <a:ext cx="8520600" cy="1818197"/>
           </a:xfrm>
         </p:spPr>
         <p:txBody>
@@ -13500,11 +13492,18 @@
               <a:buChar char="Ø"/>
             </a:pPr>
             <a:r>
+              <a:rPr lang="en-GB" sz="2200" b="1" dirty="0" err="1">
+                <a:latin typeface="Times New Roman" panose="02020603050405020304" pitchFamily="18" charset="0"/>
+                <a:cs typeface="Times New Roman" panose="02020603050405020304" pitchFamily="18" charset="0"/>
+              </a:rPr>
+              <a:t>keras</a:t>
+            </a:r>
+            <a:r>
               <a:rPr lang="en-GB" sz="2200" b="1" dirty="0">
                 <a:latin typeface="Times New Roman" panose="02020603050405020304" pitchFamily="18" charset="0"/>
                 <a:cs typeface="Times New Roman" panose="02020603050405020304" pitchFamily="18" charset="0"/>
               </a:rPr>
-              <a:t>LSTM - </a:t>
+              <a:t> – </a:t>
             </a:r>
             <a:r>
               <a:rPr lang="en-GB" sz="2200" b="0" i="0" dirty="0">
@@ -13515,28 +13514,39 @@
                 <a:latin typeface="Times New Roman" panose="02020603050405020304" pitchFamily="18" charset="0"/>
                 <a:cs typeface="Times New Roman" panose="02020603050405020304" pitchFamily="18" charset="0"/>
               </a:rPr>
-              <a:t>Long short-term memory (LSTM) is </a:t>
+              <a:t>We import LSTM and its density, dropout, and Sequential model.</a:t>
             </a:r>
+            <a:endParaRPr lang="en-GB" sz="2200" i="0" dirty="0">
+              <a:solidFill>
+                <a:srgbClr val="202124"/>
+              </a:solidFill>
+              <a:effectLst/>
+              <a:latin typeface="Times New Roman" panose="02020603050405020304" pitchFamily="18" charset="0"/>
+              <a:cs typeface="Times New Roman" panose="02020603050405020304" pitchFamily="18" charset="0"/>
+            </a:endParaRPr>
+          </a:p>
+          <a:p>
+            <a:pPr>
+              <a:spcAft>
+                <a:spcPts val="1200"/>
+              </a:spcAft>
+              <a:buFont typeface="Wingdings" panose="05000000000000000000" pitchFamily="2" charset="2"/>
+              <a:buChar char="Ø"/>
+            </a:pPr>
             <a:r>
-              <a:rPr lang="en-GB" sz="2200" i="0" dirty="0">
-                <a:solidFill>
-                  <a:srgbClr val="202124"/>
-                </a:solidFill>
-                <a:effectLst/>
+              <a:rPr lang="en-US" sz="2200" b="1" dirty="0" err="1">
                 <a:latin typeface="Times New Roman" panose="02020603050405020304" pitchFamily="18" charset="0"/>
                 <a:cs typeface="Times New Roman" panose="02020603050405020304" pitchFamily="18" charset="0"/>
               </a:rPr>
-              <a:t>an artificial neural network used in the fields of artificial intelligence and deep learning.</a:t>
+              <a:t>sklearn</a:t>
             </a:r>
-          </a:p>
-          <a:p>
-            <a:pPr>
-              <a:spcAft>
-                <a:spcPts val="1200"/>
-              </a:spcAft>
-              <a:buFont typeface="Wingdings" panose="05000000000000000000" pitchFamily="2" charset="2"/>
-              <a:buChar char="Ø"/>
-            </a:pPr>
+            <a:r>
+              <a:rPr lang="en-US" sz="2200" b="1" dirty="0">
+                <a:latin typeface="Times New Roman" panose="02020603050405020304" pitchFamily="18" charset="0"/>
+                <a:cs typeface="Times New Roman" panose="02020603050405020304" pitchFamily="18" charset="0"/>
+              </a:rPr>
+              <a:t> – </a:t>
+            </a:r>
             <a:r>
               <a:rPr lang="en-US" sz="2200" b="1" dirty="0" err="1">
                 <a:latin typeface="Times New Roman" panose="02020603050405020304" pitchFamily="18" charset="0"/>
@@ -13549,102 +13559,15 @@
                 <a:latin typeface="Times New Roman" panose="02020603050405020304" pitchFamily="18" charset="0"/>
                 <a:cs typeface="Times New Roman" panose="02020603050405020304" pitchFamily="18" charset="0"/>
               </a:rPr>
-              <a:t> - </a:t>
+              <a:t> </a:t>
             </a:r>
             <a:r>
-              <a:rPr lang="en-GB" sz="2200" dirty="0">
-                <a:solidFill>
-                  <a:srgbClr val="202124"/>
-                </a:solidFill>
+              <a:rPr lang="en-US" sz="2200" dirty="0">
                 <a:latin typeface="Times New Roman" panose="02020603050405020304" pitchFamily="18" charset="0"/>
                 <a:cs typeface="Times New Roman" panose="02020603050405020304" pitchFamily="18" charset="0"/>
               </a:rPr>
-              <a:t>It</a:t>
+              <a:t>has been imported to scale the minimum and maximum values to range from 0 to 1.</a:t>
             </a:r>
-            <a:r>
-              <a:rPr lang="en-GB" sz="2200" b="0" i="0" dirty="0">
-                <a:solidFill>
-                  <a:srgbClr val="202124"/>
-                </a:solidFill>
-                <a:effectLst/>
-                <a:latin typeface="Times New Roman" panose="02020603050405020304" pitchFamily="18" charset="0"/>
-                <a:cs typeface="Times New Roman" panose="02020603050405020304" pitchFamily="18" charset="0"/>
-              </a:rPr>
-              <a:t> can be used </a:t>
-            </a:r>
-            <a:r>
-              <a:rPr lang="en-GB" sz="2200" i="0" dirty="0">
-                <a:solidFill>
-                  <a:srgbClr val="202124"/>
-                </a:solidFill>
-                <a:effectLst/>
-                <a:latin typeface="Times New Roman" panose="02020603050405020304" pitchFamily="18" charset="0"/>
-                <a:cs typeface="Times New Roman" panose="02020603050405020304" pitchFamily="18" charset="0"/>
-              </a:rPr>
-              <a:t>from domain knowledge when the upper and lower boundaries are well-known.</a:t>
-            </a:r>
-          </a:p>
-          <a:p>
-            <a:pPr>
-              <a:spcAft>
-                <a:spcPts val="600"/>
-              </a:spcAft>
-              <a:buFont typeface="Wingdings" panose="05000000000000000000" pitchFamily="2" charset="2"/>
-              <a:buChar char="Ø"/>
-            </a:pPr>
-            <a:r>
-              <a:rPr lang="en-GB" sz="2200" b="1" dirty="0">
-                <a:solidFill>
-                  <a:srgbClr val="202124"/>
-                </a:solidFill>
-                <a:latin typeface="Times New Roman" panose="02020603050405020304" pitchFamily="18" charset="0"/>
-                <a:cs typeface="Times New Roman" panose="02020603050405020304" pitchFamily="18" charset="0"/>
-              </a:rPr>
-              <a:t>Sequential - </a:t>
-            </a:r>
-            <a:r>
-              <a:rPr lang="en-GB" sz="2200" b="0" i="0" dirty="0">
-                <a:solidFill>
-                  <a:srgbClr val="202124"/>
-                </a:solidFill>
-                <a:effectLst/>
-                <a:latin typeface="Times New Roman" panose="02020603050405020304" pitchFamily="18" charset="0"/>
-                <a:cs typeface="Times New Roman" panose="02020603050405020304" pitchFamily="18" charset="0"/>
-              </a:rPr>
-              <a:t>The sequential model </a:t>
-            </a:r>
-            <a:r>
-              <a:rPr lang="en-GB" sz="2200" i="0" dirty="0">
-                <a:solidFill>
-                  <a:srgbClr val="202124"/>
-                </a:solidFill>
-                <a:effectLst/>
-                <a:latin typeface="Times New Roman" panose="02020603050405020304" pitchFamily="18" charset="0"/>
-                <a:cs typeface="Times New Roman" panose="02020603050405020304" pitchFamily="18" charset="0"/>
-              </a:rPr>
-              <a:t>allows us to specify a neural network, precisely, sequential: from input to output, passing through a series of neural layers, one after the other</a:t>
-            </a:r>
-            <a:r>
-              <a:rPr lang="en-GB" sz="2200" b="0" i="0" dirty="0">
-                <a:solidFill>
-                  <a:srgbClr val="202124"/>
-                </a:solidFill>
-                <a:effectLst/>
-                <a:latin typeface="Times New Roman" panose="02020603050405020304" pitchFamily="18" charset="0"/>
-                <a:cs typeface="Times New Roman" panose="02020603050405020304" pitchFamily="18" charset="0"/>
-              </a:rPr>
-              <a:t>.</a:t>
-            </a:r>
-          </a:p>
-          <a:p>
-            <a:pPr>
-              <a:buFont typeface="Wingdings" panose="05000000000000000000" pitchFamily="2" charset="2"/>
-              <a:buChar char="Ø"/>
-            </a:pPr>
-            <a:endParaRPr lang="en-US" sz="2200" b="1" dirty="0">
-              <a:latin typeface="Times New Roman" panose="02020603050405020304" pitchFamily="18" charset="0"/>
-              <a:cs typeface="Times New Roman" panose="02020603050405020304" pitchFamily="18" charset="0"/>
-            </a:endParaRPr>
           </a:p>
         </p:txBody>
       </p:sp>
@@ -17540,6 +17463,716 @@
 </file>
 
 <file path=ppt/slides/slide14.xml><?xml version="1.0" encoding="utf-8"?>
+<p:sld xmlns:a="http://schemas.openxmlformats.org/drawingml/2006/main" xmlns:r="http://schemas.openxmlformats.org/officeDocument/2006/relationships" xmlns:p="http://schemas.openxmlformats.org/presentationml/2006/main">
+  <p:cSld>
+    <p:spTree>
+      <p:nvGrpSpPr>
+        <p:cNvPr id="1" name=""/>
+        <p:cNvGrpSpPr/>
+        <p:nvPr/>
+      </p:nvGrpSpPr>
+      <p:grpSpPr>
+        <a:xfrm>
+          <a:off x="0" y="0"/>
+          <a:ext cx="0" cy="0"/>
+          <a:chOff x="0" y="0"/>
+          <a:chExt cx="0" cy="0"/>
+        </a:xfrm>
+      </p:grpSpPr>
+      <p:sp>
+        <p:nvSpPr>
+          <p:cNvPr id="6" name="Title 1">
+            <a:extLst>
+              <a:ext uri="{FF2B5EF4-FFF2-40B4-BE49-F238E27FC236}">
+                <a16:creationId xmlns:a16="http://schemas.microsoft.com/office/drawing/2014/main" id="{085A59A9-820F-5BC8-B9A1-BB0F52B641FF}"/>
+              </a:ext>
+            </a:extLst>
+          </p:cNvPr>
+          <p:cNvSpPr txBox="1">
+            <a:spLocks/>
+          </p:cNvSpPr>
+          <p:nvPr/>
+        </p:nvSpPr>
+        <p:spPr>
+          <a:xfrm>
+            <a:off x="360218" y="983672"/>
+            <a:ext cx="8409709" cy="540327"/>
+          </a:xfrm>
+          <a:prstGeom prst="rect">
+            <a:avLst/>
+          </a:prstGeom>
+          <a:noFill/>
+          <a:ln>
+            <a:noFill/>
+          </a:ln>
+        </p:spPr>
+        <p:txBody>
+          <a:bodyPr spcFirstLastPara="1" wrap="square" lIns="91425" tIns="91425" rIns="91425" bIns="91425" anchor="t" anchorCtr="0">
+            <a:noAutofit/>
+          </a:bodyPr>
+          <a:lstStyle>
+            <a:defPPr marR="0" lvl="0" algn="l" rtl="0">
+              <a:lnSpc>
+                <a:spcPct val="100000"/>
+              </a:lnSpc>
+              <a:spcBef>
+                <a:spcPts val="0"/>
+              </a:spcBef>
+              <a:spcAft>
+                <a:spcPts val="0"/>
+              </a:spcAft>
+            </a:defPPr>
+            <a:lvl1pPr marR="0" lvl="0" algn="l" rtl="0" eaLnBrk="0" fontAlgn="base" hangingPunct="0">
+              <a:lnSpc>
+                <a:spcPct val="100000"/>
+              </a:lnSpc>
+              <a:spcBef>
+                <a:spcPts val="0"/>
+              </a:spcBef>
+              <a:spcAft>
+                <a:spcPts val="0"/>
+              </a:spcAft>
+              <a:buClr>
+                <a:srgbClr val="000000"/>
+              </a:buClr>
+              <a:buSzPts val="2800"/>
+              <a:buFont typeface="Arial"/>
+              <a:buNone/>
+              <a:defRPr sz="1400" b="0" i="0" u="none" strike="noStrike" cap="none">
+                <a:solidFill>
+                  <a:srgbClr val="000000"/>
+                </a:solidFill>
+                <a:latin typeface="Arial"/>
+                <a:ea typeface="Arial"/>
+                <a:cs typeface="Arial"/>
+                <a:sym typeface="Arial"/>
+              </a:defRPr>
+            </a:lvl1pPr>
+            <a:lvl2pPr marR="0" lvl="1" algn="l" rtl="0" eaLnBrk="0" fontAlgn="base" hangingPunct="0">
+              <a:lnSpc>
+                <a:spcPct val="100000"/>
+              </a:lnSpc>
+              <a:spcBef>
+                <a:spcPts val="0"/>
+              </a:spcBef>
+              <a:spcAft>
+                <a:spcPts val="0"/>
+              </a:spcAft>
+              <a:buClr>
+                <a:srgbClr val="000000"/>
+              </a:buClr>
+              <a:buSzPts val="2800"/>
+              <a:buFont typeface="Arial"/>
+              <a:buNone/>
+              <a:defRPr sz="1400" b="0" i="0" u="none" strike="noStrike" cap="none">
+                <a:solidFill>
+                  <a:srgbClr val="000000"/>
+                </a:solidFill>
+                <a:latin typeface="Arial"/>
+                <a:ea typeface="Arial"/>
+                <a:cs typeface="Arial"/>
+                <a:sym typeface="Arial"/>
+              </a:defRPr>
+            </a:lvl2pPr>
+            <a:lvl3pPr marR="0" lvl="2" algn="l" rtl="0" eaLnBrk="0" fontAlgn="base" hangingPunct="0">
+              <a:lnSpc>
+                <a:spcPct val="100000"/>
+              </a:lnSpc>
+              <a:spcBef>
+                <a:spcPts val="0"/>
+              </a:spcBef>
+              <a:spcAft>
+                <a:spcPts val="0"/>
+              </a:spcAft>
+              <a:buClr>
+                <a:srgbClr val="000000"/>
+              </a:buClr>
+              <a:buSzPts val="2800"/>
+              <a:buFont typeface="Arial"/>
+              <a:buNone/>
+              <a:defRPr sz="1400" b="0" i="0" u="none" strike="noStrike" cap="none">
+                <a:solidFill>
+                  <a:srgbClr val="000000"/>
+                </a:solidFill>
+                <a:latin typeface="Arial"/>
+                <a:ea typeface="Arial"/>
+                <a:cs typeface="Arial"/>
+                <a:sym typeface="Arial"/>
+              </a:defRPr>
+            </a:lvl3pPr>
+            <a:lvl4pPr marR="0" lvl="3" algn="l" rtl="0" eaLnBrk="0" fontAlgn="base" hangingPunct="0">
+              <a:lnSpc>
+                <a:spcPct val="100000"/>
+              </a:lnSpc>
+              <a:spcBef>
+                <a:spcPts val="0"/>
+              </a:spcBef>
+              <a:spcAft>
+                <a:spcPts val="0"/>
+              </a:spcAft>
+              <a:buClr>
+                <a:srgbClr val="000000"/>
+              </a:buClr>
+              <a:buSzPts val="2800"/>
+              <a:buFont typeface="Arial"/>
+              <a:buNone/>
+              <a:defRPr sz="1400" b="0" i="0" u="none" strike="noStrike" cap="none">
+                <a:solidFill>
+                  <a:srgbClr val="000000"/>
+                </a:solidFill>
+                <a:latin typeface="Arial"/>
+                <a:ea typeface="Arial"/>
+                <a:cs typeface="Arial"/>
+                <a:sym typeface="Arial"/>
+              </a:defRPr>
+            </a:lvl4pPr>
+            <a:lvl5pPr marR="0" lvl="4" algn="l" rtl="0" eaLnBrk="0" fontAlgn="base" hangingPunct="0">
+              <a:lnSpc>
+                <a:spcPct val="100000"/>
+              </a:lnSpc>
+              <a:spcBef>
+                <a:spcPts val="0"/>
+              </a:spcBef>
+              <a:spcAft>
+                <a:spcPts val="0"/>
+              </a:spcAft>
+              <a:buClr>
+                <a:srgbClr val="000000"/>
+              </a:buClr>
+              <a:buSzPts val="2800"/>
+              <a:buFont typeface="Arial"/>
+              <a:buNone/>
+              <a:defRPr sz="1400" b="0" i="0" u="none" strike="noStrike" cap="none">
+                <a:solidFill>
+                  <a:srgbClr val="000000"/>
+                </a:solidFill>
+                <a:latin typeface="Arial"/>
+                <a:ea typeface="Arial"/>
+                <a:cs typeface="Arial"/>
+                <a:sym typeface="Arial"/>
+              </a:defRPr>
+            </a:lvl5pPr>
+            <a:lvl6pPr marR="0" lvl="5" algn="l" rtl="0">
+              <a:lnSpc>
+                <a:spcPct val="100000"/>
+              </a:lnSpc>
+              <a:spcBef>
+                <a:spcPts val="0"/>
+              </a:spcBef>
+              <a:spcAft>
+                <a:spcPts val="0"/>
+              </a:spcAft>
+              <a:buClr>
+                <a:srgbClr val="000000"/>
+              </a:buClr>
+              <a:buSzPts val="2800"/>
+              <a:buFont typeface="Arial"/>
+              <a:buNone/>
+              <a:defRPr sz="1400" b="0" i="0" u="none" strike="noStrike" cap="none">
+                <a:solidFill>
+                  <a:srgbClr val="000000"/>
+                </a:solidFill>
+                <a:latin typeface="Arial"/>
+                <a:ea typeface="Arial"/>
+                <a:cs typeface="Arial"/>
+                <a:sym typeface="Arial"/>
+              </a:defRPr>
+            </a:lvl6pPr>
+            <a:lvl7pPr marR="0" lvl="6" algn="l" rtl="0">
+              <a:lnSpc>
+                <a:spcPct val="100000"/>
+              </a:lnSpc>
+              <a:spcBef>
+                <a:spcPts val="0"/>
+              </a:spcBef>
+              <a:spcAft>
+                <a:spcPts val="0"/>
+              </a:spcAft>
+              <a:buClr>
+                <a:srgbClr val="000000"/>
+              </a:buClr>
+              <a:buSzPts val="2800"/>
+              <a:buFont typeface="Arial"/>
+              <a:buNone/>
+              <a:defRPr sz="1400" b="0" i="0" u="none" strike="noStrike" cap="none">
+                <a:solidFill>
+                  <a:srgbClr val="000000"/>
+                </a:solidFill>
+                <a:latin typeface="Arial"/>
+                <a:ea typeface="Arial"/>
+                <a:cs typeface="Arial"/>
+                <a:sym typeface="Arial"/>
+              </a:defRPr>
+            </a:lvl7pPr>
+            <a:lvl8pPr marR="0" lvl="7" algn="l" rtl="0">
+              <a:lnSpc>
+                <a:spcPct val="100000"/>
+              </a:lnSpc>
+              <a:spcBef>
+                <a:spcPts val="0"/>
+              </a:spcBef>
+              <a:spcAft>
+                <a:spcPts val="0"/>
+              </a:spcAft>
+              <a:buClr>
+                <a:srgbClr val="000000"/>
+              </a:buClr>
+              <a:buSzPts val="2800"/>
+              <a:buFont typeface="Arial"/>
+              <a:buNone/>
+              <a:defRPr sz="1400" b="0" i="0" u="none" strike="noStrike" cap="none">
+                <a:solidFill>
+                  <a:srgbClr val="000000"/>
+                </a:solidFill>
+                <a:latin typeface="Arial"/>
+                <a:ea typeface="Arial"/>
+                <a:cs typeface="Arial"/>
+                <a:sym typeface="Arial"/>
+              </a:defRPr>
+            </a:lvl8pPr>
+            <a:lvl9pPr marR="0" lvl="8" algn="l" rtl="0">
+              <a:lnSpc>
+                <a:spcPct val="100000"/>
+              </a:lnSpc>
+              <a:spcBef>
+                <a:spcPts val="0"/>
+              </a:spcBef>
+              <a:spcAft>
+                <a:spcPts val="0"/>
+              </a:spcAft>
+              <a:buClr>
+                <a:srgbClr val="000000"/>
+              </a:buClr>
+              <a:buSzPts val="2800"/>
+              <a:buFont typeface="Arial"/>
+              <a:buNone/>
+              <a:defRPr sz="1400" b="0" i="0" u="none" strike="noStrike" cap="none">
+                <a:solidFill>
+                  <a:srgbClr val="000000"/>
+                </a:solidFill>
+                <a:latin typeface="Arial"/>
+                <a:ea typeface="Arial"/>
+                <a:cs typeface="Arial"/>
+                <a:sym typeface="Arial"/>
+              </a:defRPr>
+            </a:lvl9pPr>
+          </a:lstStyle>
+          <a:p>
+            <a:pPr algn="ctr" eaLnBrk="1" hangingPunct="1"/>
+            <a:r>
+              <a:rPr lang="en-US" altLang="en-US" sz="2800" b="1" kern="0" dirty="0">
+                <a:solidFill>
+                  <a:srgbClr val="00B050"/>
+                </a:solidFill>
+                <a:latin typeface="Calibri" panose="020F0502020204030204" pitchFamily="34" charset="0"/>
+                <a:ea typeface="Calibri" panose="020F0502020204030204" pitchFamily="34" charset="0"/>
+                <a:cs typeface="Calibri" panose="020F0502020204030204" pitchFamily="34" charset="0"/>
+                <a:sym typeface="Calibri" panose="020F0502020204030204" pitchFamily="34" charset="0"/>
+              </a:rPr>
+              <a:t>OUTPUT SCREENSHOT</a:t>
+            </a:r>
+          </a:p>
+        </p:txBody>
+      </p:sp>
+      <p:pic>
+        <p:nvPicPr>
+          <p:cNvPr id="8" name="Picture 7">
+            <a:extLst>
+              <a:ext uri="{FF2B5EF4-FFF2-40B4-BE49-F238E27FC236}">
+                <a16:creationId xmlns:a16="http://schemas.microsoft.com/office/drawing/2014/main" id="{EF37B3B4-E6BD-36A1-C26E-EB4E140F0E51}"/>
+              </a:ext>
+            </a:extLst>
+          </p:cNvPr>
+          <p:cNvPicPr>
+            <a:picLocks noChangeAspect="1"/>
+          </p:cNvPicPr>
+          <p:nvPr/>
+        </p:nvPicPr>
+        <p:blipFill>
+          <a:blip r:embed="rId2"/>
+          <a:stretch>
+            <a:fillRect/>
+          </a:stretch>
+        </p:blipFill>
+        <p:spPr>
+          <a:xfrm>
+            <a:off x="857714" y="1733928"/>
+            <a:ext cx="7428571" cy="3987301"/>
+          </a:xfrm>
+          <a:prstGeom prst="rect">
+            <a:avLst/>
+          </a:prstGeom>
+        </p:spPr>
+      </p:pic>
+    </p:spTree>
+    <p:extLst>
+      <p:ext uri="{BB962C8B-B14F-4D97-AF65-F5344CB8AC3E}">
+        <p14:creationId xmlns:p14="http://schemas.microsoft.com/office/powerpoint/2010/main" val="75368186"/>
+      </p:ext>
+    </p:extLst>
+  </p:cSld>
+  <p:clrMapOvr>
+    <a:masterClrMapping/>
+  </p:clrMapOvr>
+</p:sld>
+</file>
+
+<file path=ppt/slides/slide15.xml><?xml version="1.0" encoding="utf-8"?>
+<p:sld xmlns:a="http://schemas.openxmlformats.org/drawingml/2006/main" xmlns:r="http://schemas.openxmlformats.org/officeDocument/2006/relationships" xmlns:p="http://schemas.openxmlformats.org/presentationml/2006/main">
+  <p:cSld>
+    <p:spTree>
+      <p:nvGrpSpPr>
+        <p:cNvPr id="1" name=""/>
+        <p:cNvGrpSpPr/>
+        <p:nvPr/>
+      </p:nvGrpSpPr>
+      <p:grpSpPr>
+        <a:xfrm>
+          <a:off x="0" y="0"/>
+          <a:ext cx="0" cy="0"/>
+          <a:chOff x="0" y="0"/>
+          <a:chExt cx="0" cy="0"/>
+        </a:xfrm>
+      </p:grpSpPr>
+      <p:sp>
+        <p:nvSpPr>
+          <p:cNvPr id="4" name="Title 1">
+            <a:extLst>
+              <a:ext uri="{FF2B5EF4-FFF2-40B4-BE49-F238E27FC236}">
+                <a16:creationId xmlns:a16="http://schemas.microsoft.com/office/drawing/2014/main" id="{35FD06AD-7909-905B-24FC-9E85508D3F6F}"/>
+              </a:ext>
+            </a:extLst>
+          </p:cNvPr>
+          <p:cNvSpPr txBox="1">
+            <a:spLocks/>
+          </p:cNvSpPr>
+          <p:nvPr/>
+        </p:nvSpPr>
+        <p:spPr>
+          <a:xfrm>
+            <a:off x="360218" y="983672"/>
+            <a:ext cx="8409709" cy="540327"/>
+          </a:xfrm>
+          <a:prstGeom prst="rect">
+            <a:avLst/>
+          </a:prstGeom>
+          <a:noFill/>
+          <a:ln>
+            <a:noFill/>
+          </a:ln>
+        </p:spPr>
+        <p:txBody>
+          <a:bodyPr spcFirstLastPara="1" wrap="square" lIns="91425" tIns="91425" rIns="91425" bIns="91425" anchor="t" anchorCtr="0">
+            <a:noAutofit/>
+          </a:bodyPr>
+          <a:lstStyle>
+            <a:defPPr marR="0" lvl="0" algn="l" rtl="0">
+              <a:lnSpc>
+                <a:spcPct val="100000"/>
+              </a:lnSpc>
+              <a:spcBef>
+                <a:spcPts val="0"/>
+              </a:spcBef>
+              <a:spcAft>
+                <a:spcPts val="0"/>
+              </a:spcAft>
+            </a:defPPr>
+            <a:lvl1pPr marR="0" lvl="0" algn="l" rtl="0" eaLnBrk="0" fontAlgn="base" hangingPunct="0">
+              <a:lnSpc>
+                <a:spcPct val="100000"/>
+              </a:lnSpc>
+              <a:spcBef>
+                <a:spcPts val="0"/>
+              </a:spcBef>
+              <a:spcAft>
+                <a:spcPts val="0"/>
+              </a:spcAft>
+              <a:buClr>
+                <a:srgbClr val="000000"/>
+              </a:buClr>
+              <a:buSzPts val="2800"/>
+              <a:buFont typeface="Arial"/>
+              <a:buNone/>
+              <a:defRPr sz="1400" b="0" i="0" u="none" strike="noStrike" cap="none">
+                <a:solidFill>
+                  <a:srgbClr val="000000"/>
+                </a:solidFill>
+                <a:latin typeface="Arial"/>
+                <a:ea typeface="Arial"/>
+                <a:cs typeface="Arial"/>
+                <a:sym typeface="Arial"/>
+              </a:defRPr>
+            </a:lvl1pPr>
+            <a:lvl2pPr marR="0" lvl="1" algn="l" rtl="0" eaLnBrk="0" fontAlgn="base" hangingPunct="0">
+              <a:lnSpc>
+                <a:spcPct val="100000"/>
+              </a:lnSpc>
+              <a:spcBef>
+                <a:spcPts val="0"/>
+              </a:spcBef>
+              <a:spcAft>
+                <a:spcPts val="0"/>
+              </a:spcAft>
+              <a:buClr>
+                <a:srgbClr val="000000"/>
+              </a:buClr>
+              <a:buSzPts val="2800"/>
+              <a:buFont typeface="Arial"/>
+              <a:buNone/>
+              <a:defRPr sz="1400" b="0" i="0" u="none" strike="noStrike" cap="none">
+                <a:solidFill>
+                  <a:srgbClr val="000000"/>
+                </a:solidFill>
+                <a:latin typeface="Arial"/>
+                <a:ea typeface="Arial"/>
+                <a:cs typeface="Arial"/>
+                <a:sym typeface="Arial"/>
+              </a:defRPr>
+            </a:lvl2pPr>
+            <a:lvl3pPr marR="0" lvl="2" algn="l" rtl="0" eaLnBrk="0" fontAlgn="base" hangingPunct="0">
+              <a:lnSpc>
+                <a:spcPct val="100000"/>
+              </a:lnSpc>
+              <a:spcBef>
+                <a:spcPts val="0"/>
+              </a:spcBef>
+              <a:spcAft>
+                <a:spcPts val="0"/>
+              </a:spcAft>
+              <a:buClr>
+                <a:srgbClr val="000000"/>
+              </a:buClr>
+              <a:buSzPts val="2800"/>
+              <a:buFont typeface="Arial"/>
+              <a:buNone/>
+              <a:defRPr sz="1400" b="0" i="0" u="none" strike="noStrike" cap="none">
+                <a:solidFill>
+                  <a:srgbClr val="000000"/>
+                </a:solidFill>
+                <a:latin typeface="Arial"/>
+                <a:ea typeface="Arial"/>
+                <a:cs typeface="Arial"/>
+                <a:sym typeface="Arial"/>
+              </a:defRPr>
+            </a:lvl3pPr>
+            <a:lvl4pPr marR="0" lvl="3" algn="l" rtl="0" eaLnBrk="0" fontAlgn="base" hangingPunct="0">
+              <a:lnSpc>
+                <a:spcPct val="100000"/>
+              </a:lnSpc>
+              <a:spcBef>
+                <a:spcPts val="0"/>
+              </a:spcBef>
+              <a:spcAft>
+                <a:spcPts val="0"/>
+              </a:spcAft>
+              <a:buClr>
+                <a:srgbClr val="000000"/>
+              </a:buClr>
+              <a:buSzPts val="2800"/>
+              <a:buFont typeface="Arial"/>
+              <a:buNone/>
+              <a:defRPr sz="1400" b="0" i="0" u="none" strike="noStrike" cap="none">
+                <a:solidFill>
+                  <a:srgbClr val="000000"/>
+                </a:solidFill>
+                <a:latin typeface="Arial"/>
+                <a:ea typeface="Arial"/>
+                <a:cs typeface="Arial"/>
+                <a:sym typeface="Arial"/>
+              </a:defRPr>
+            </a:lvl4pPr>
+            <a:lvl5pPr marR="0" lvl="4" algn="l" rtl="0" eaLnBrk="0" fontAlgn="base" hangingPunct="0">
+              <a:lnSpc>
+                <a:spcPct val="100000"/>
+              </a:lnSpc>
+              <a:spcBef>
+                <a:spcPts val="0"/>
+              </a:spcBef>
+              <a:spcAft>
+                <a:spcPts val="0"/>
+              </a:spcAft>
+              <a:buClr>
+                <a:srgbClr val="000000"/>
+              </a:buClr>
+              <a:buSzPts val="2800"/>
+              <a:buFont typeface="Arial"/>
+              <a:buNone/>
+              <a:defRPr sz="1400" b="0" i="0" u="none" strike="noStrike" cap="none">
+                <a:solidFill>
+                  <a:srgbClr val="000000"/>
+                </a:solidFill>
+                <a:latin typeface="Arial"/>
+                <a:ea typeface="Arial"/>
+                <a:cs typeface="Arial"/>
+                <a:sym typeface="Arial"/>
+              </a:defRPr>
+            </a:lvl5pPr>
+            <a:lvl6pPr marR="0" lvl="5" algn="l" rtl="0">
+              <a:lnSpc>
+                <a:spcPct val="100000"/>
+              </a:lnSpc>
+              <a:spcBef>
+                <a:spcPts val="0"/>
+              </a:spcBef>
+              <a:spcAft>
+                <a:spcPts val="0"/>
+              </a:spcAft>
+              <a:buClr>
+                <a:srgbClr val="000000"/>
+              </a:buClr>
+              <a:buSzPts val="2800"/>
+              <a:buFont typeface="Arial"/>
+              <a:buNone/>
+              <a:defRPr sz="1400" b="0" i="0" u="none" strike="noStrike" cap="none">
+                <a:solidFill>
+                  <a:srgbClr val="000000"/>
+                </a:solidFill>
+                <a:latin typeface="Arial"/>
+                <a:ea typeface="Arial"/>
+                <a:cs typeface="Arial"/>
+                <a:sym typeface="Arial"/>
+              </a:defRPr>
+            </a:lvl6pPr>
+            <a:lvl7pPr marR="0" lvl="6" algn="l" rtl="0">
+              <a:lnSpc>
+                <a:spcPct val="100000"/>
+              </a:lnSpc>
+              <a:spcBef>
+                <a:spcPts val="0"/>
+              </a:spcBef>
+              <a:spcAft>
+                <a:spcPts val="0"/>
+              </a:spcAft>
+              <a:buClr>
+                <a:srgbClr val="000000"/>
+              </a:buClr>
+              <a:buSzPts val="2800"/>
+              <a:buFont typeface="Arial"/>
+              <a:buNone/>
+              <a:defRPr sz="1400" b="0" i="0" u="none" strike="noStrike" cap="none">
+                <a:solidFill>
+                  <a:srgbClr val="000000"/>
+                </a:solidFill>
+                <a:latin typeface="Arial"/>
+                <a:ea typeface="Arial"/>
+                <a:cs typeface="Arial"/>
+                <a:sym typeface="Arial"/>
+              </a:defRPr>
+            </a:lvl7pPr>
+            <a:lvl8pPr marR="0" lvl="7" algn="l" rtl="0">
+              <a:lnSpc>
+                <a:spcPct val="100000"/>
+              </a:lnSpc>
+              <a:spcBef>
+                <a:spcPts val="0"/>
+              </a:spcBef>
+              <a:spcAft>
+                <a:spcPts val="0"/>
+              </a:spcAft>
+              <a:buClr>
+                <a:srgbClr val="000000"/>
+              </a:buClr>
+              <a:buSzPts val="2800"/>
+              <a:buFont typeface="Arial"/>
+              <a:buNone/>
+              <a:defRPr sz="1400" b="0" i="0" u="none" strike="noStrike" cap="none">
+                <a:solidFill>
+                  <a:srgbClr val="000000"/>
+                </a:solidFill>
+                <a:latin typeface="Arial"/>
+                <a:ea typeface="Arial"/>
+                <a:cs typeface="Arial"/>
+                <a:sym typeface="Arial"/>
+              </a:defRPr>
+            </a:lvl8pPr>
+            <a:lvl9pPr marR="0" lvl="8" algn="l" rtl="0">
+              <a:lnSpc>
+                <a:spcPct val="100000"/>
+              </a:lnSpc>
+              <a:spcBef>
+                <a:spcPts val="0"/>
+              </a:spcBef>
+              <a:spcAft>
+                <a:spcPts val="0"/>
+              </a:spcAft>
+              <a:buClr>
+                <a:srgbClr val="000000"/>
+              </a:buClr>
+              <a:buSzPts val="2800"/>
+              <a:buFont typeface="Arial"/>
+              <a:buNone/>
+              <a:defRPr sz="1400" b="0" i="0" u="none" strike="noStrike" cap="none">
+                <a:solidFill>
+                  <a:srgbClr val="000000"/>
+                </a:solidFill>
+                <a:latin typeface="Arial"/>
+                <a:ea typeface="Arial"/>
+                <a:cs typeface="Arial"/>
+                <a:sym typeface="Arial"/>
+              </a:defRPr>
+            </a:lvl9pPr>
+          </a:lstStyle>
+          <a:p>
+            <a:pPr algn="ctr" eaLnBrk="1" hangingPunct="1"/>
+            <a:r>
+              <a:rPr lang="en-US" altLang="en-US" sz="2800" b="1" kern="0" dirty="0">
+                <a:solidFill>
+                  <a:srgbClr val="00B050"/>
+                </a:solidFill>
+                <a:latin typeface="Calibri" panose="020F0502020204030204" pitchFamily="34" charset="0"/>
+                <a:ea typeface="Calibri" panose="020F0502020204030204" pitchFamily="34" charset="0"/>
+                <a:cs typeface="Calibri" panose="020F0502020204030204" pitchFamily="34" charset="0"/>
+                <a:sym typeface="Calibri" panose="020F0502020204030204" pitchFamily="34" charset="0"/>
+              </a:rPr>
+              <a:t>MODEL RESULT COMPARISON</a:t>
+            </a:r>
+          </a:p>
+        </p:txBody>
+      </p:sp>
+      <p:pic>
+        <p:nvPicPr>
+          <p:cNvPr id="7" name="Picture 6">
+            <a:extLst>
+              <a:ext uri="{FF2B5EF4-FFF2-40B4-BE49-F238E27FC236}">
+                <a16:creationId xmlns:a16="http://schemas.microsoft.com/office/drawing/2014/main" id="{A4785F12-163B-E15E-81EB-E06BB86CC968}"/>
+              </a:ext>
+            </a:extLst>
+          </p:cNvPr>
+          <p:cNvPicPr>
+            <a:picLocks noChangeAspect="1"/>
+          </p:cNvPicPr>
+          <p:nvPr/>
+        </p:nvPicPr>
+        <p:blipFill>
+          <a:blip r:embed="rId2"/>
+          <a:stretch>
+            <a:fillRect/>
+          </a:stretch>
+        </p:blipFill>
+        <p:spPr>
+          <a:xfrm>
+            <a:off x="367145" y="1856793"/>
+            <a:ext cx="8409709" cy="3872204"/>
+          </a:xfrm>
+          <a:prstGeom prst="rect">
+            <a:avLst/>
+          </a:prstGeom>
+        </p:spPr>
+      </p:pic>
+    </p:spTree>
+    <p:extLst>
+      <p:ext uri="{BB962C8B-B14F-4D97-AF65-F5344CB8AC3E}">
+        <p14:creationId xmlns:p14="http://schemas.microsoft.com/office/powerpoint/2010/main" val="3086206133"/>
+      </p:ext>
+    </p:extLst>
+  </p:cSld>
+  <p:clrMapOvr>
+    <a:masterClrMapping/>
+  </p:clrMapOvr>
+</p:sld>
+</file>
+
+<file path=ppt/slides/slide16.xml><?xml version="1.0" encoding="utf-8"?>
 <p:sld xmlns:a="http://schemas.openxmlformats.org/drawingml/2006/main" xmlns:r="http://schemas.openxmlformats.org/officeDocument/2006/relationships" xmlns:p="http://schemas.openxmlformats.org/presentationml/2006/main">
   <p:cSld>
     <p:bg>

--- a/FINAL_YEAR_PROJECT_PPT.pptx
+++ b/FINAL_YEAR_PROJECT_PPT.pptx
@@ -6,7 +6,7 @@
     <p:sldMasterId id="2147483673" r:id="rId2"/>
   </p:sldMasterIdLst>
   <p:notesMasterIdLst>
-    <p:notesMasterId r:id="rId17"/>
+    <p:notesMasterId r:id="rId20"/>
   </p:notesMasterIdLst>
   <p:sldIdLst>
     <p:sldId id="270" r:id="rId3"/>
@@ -17,12 +17,15 @@
     <p:sldId id="280" r:id="rId8"/>
     <p:sldId id="284" r:id="rId9"/>
     <p:sldId id="285" r:id="rId10"/>
-    <p:sldId id="286" r:id="rId11"/>
-    <p:sldId id="290" r:id="rId12"/>
-    <p:sldId id="277" r:id="rId13"/>
-    <p:sldId id="273" r:id="rId14"/>
-    <p:sldId id="282" r:id="rId15"/>
-    <p:sldId id="281" r:id="rId16"/>
+    <p:sldId id="291" r:id="rId11"/>
+    <p:sldId id="292" r:id="rId12"/>
+    <p:sldId id="293" r:id="rId13"/>
+    <p:sldId id="294" r:id="rId14"/>
+    <p:sldId id="295" r:id="rId15"/>
+    <p:sldId id="277" r:id="rId16"/>
+    <p:sldId id="273" r:id="rId17"/>
+    <p:sldId id="282" r:id="rId18"/>
+    <p:sldId id="281" r:id="rId19"/>
   </p:sldIdLst>
   <p:sldSz cx="9144000" cy="6858000" type="screen4x3"/>
   <p:notesSz cx="6858000" cy="9144000"/>
@@ -173,8 +176,11 @@
             <p14:sldId id="280"/>
             <p14:sldId id="284"/>
             <p14:sldId id="285"/>
-            <p14:sldId id="286"/>
-            <p14:sldId id="290"/>
+            <p14:sldId id="291"/>
+            <p14:sldId id="292"/>
+            <p14:sldId id="293"/>
+            <p14:sldId id="294"/>
+            <p14:sldId id="295"/>
             <p14:sldId id="277"/>
             <p14:sldId id="273"/>
             <p14:sldId id="282"/>
@@ -13456,192 +13462,82 @@
                 <a:solidFill>
                   <a:srgbClr val="00B050"/>
                 </a:solidFill>
-                <a:latin typeface="Calibri" panose="020F0502020204030204" pitchFamily="34" charset="0"/>
+                <a:latin typeface="Times New Roman" panose="02020603050405020304" pitchFamily="18" charset="0"/>
                 <a:ea typeface="Calibri" panose="020F0502020204030204" pitchFamily="34" charset="0"/>
-                <a:cs typeface="Calibri" panose="020F0502020204030204" pitchFamily="34" charset="0"/>
+                <a:cs typeface="Times New Roman" panose="02020603050405020304" pitchFamily="18" charset="0"/>
                 <a:sym typeface="Calibri" panose="020F0502020204030204" pitchFamily="34" charset="0"/>
               </a:rPr>
-              <a:t>MODULES USED AND IT’S DESCRIPTION</a:t>
+              <a:t>DATA VISUALIZATION</a:t>
             </a:r>
           </a:p>
         </p:txBody>
       </p:sp>
-      <p:sp>
-        <p:nvSpPr>
-          <p:cNvPr id="3" name="Text Placeholder 2">
+      <p:pic>
+        <p:nvPicPr>
+          <p:cNvPr id="3" name="Picture 2">
             <a:extLst>
               <a:ext uri="{FF2B5EF4-FFF2-40B4-BE49-F238E27FC236}">
-                <a16:creationId xmlns:a16="http://schemas.microsoft.com/office/drawing/2014/main" id="{9B84CE1F-888F-B9FA-DF59-06B84167851F}"/>
+                <a16:creationId xmlns:a16="http://schemas.microsoft.com/office/drawing/2014/main" id="{00F93A66-4997-7575-5F61-0E6E529E363E}"/>
               </a:ext>
             </a:extLst>
           </p:cNvPr>
-          <p:cNvSpPr>
-            <a:spLocks noGrp="1"/>
-          </p:cNvSpPr>
-          <p:nvPr>
-            <p:ph type="body" idx="1"/>
-          </p:nvPr>
+          <p:cNvPicPr>
+            <a:picLocks noChangeAspect="1"/>
+          </p:cNvPicPr>
+          <p:nvPr/>
+        </p:nvPicPr>
+        <p:blipFill>
+          <a:blip r:embed="rId2"/>
+          <a:stretch>
+            <a:fillRect/>
+          </a:stretch>
+        </p:blipFill>
+        <p:spPr>
+          <a:xfrm>
+            <a:off x="671944" y="1851079"/>
+            <a:ext cx="7786255" cy="3377513"/>
+          </a:xfrm>
+          <a:prstGeom prst="rect">
+            <a:avLst/>
+          </a:prstGeom>
+        </p:spPr>
+      </p:pic>
+      <p:sp>
+        <p:nvSpPr>
+          <p:cNvPr id="4" name="TextBox 3">
+            <a:extLst>
+              <a:ext uri="{FF2B5EF4-FFF2-40B4-BE49-F238E27FC236}">
+                <a16:creationId xmlns:a16="http://schemas.microsoft.com/office/drawing/2014/main" id="{93C6B53B-F2F0-3D9F-2BBF-A46FBCCEF98E}"/>
+              </a:ext>
+            </a:extLst>
+          </p:cNvPr>
+          <p:cNvSpPr txBox="1"/>
+          <p:nvPr/>
         </p:nvSpPr>
         <p:spPr>
           <a:xfrm>
-            <a:off x="304772" y="1932709"/>
-            <a:ext cx="8520600" cy="2992582"/>
+            <a:off x="3596284" y="5401783"/>
+            <a:ext cx="1951432" cy="307777"/>
           </a:xfrm>
+          <a:prstGeom prst="rect">
+            <a:avLst/>
+          </a:prstGeom>
+          <a:noFill/>
         </p:spPr>
         <p:txBody>
-          <a:bodyPr/>
+          <a:bodyPr wrap="none" rtlCol="0">
+            <a:spAutoFit/>
+          </a:bodyPr>
           <a:lstStyle/>
           <a:p>
-            <a:pPr>
-              <a:spcAft>
-                <a:spcPts val="600"/>
-              </a:spcAft>
-              <a:buFont typeface="Wingdings" panose="05000000000000000000" pitchFamily="2" charset="2"/>
-              <a:buChar char="Ø"/>
-            </a:pPr>
             <a:r>
-              <a:rPr lang="en-GB" sz="2200" b="1" dirty="0">
+              <a:rPr lang="en-GB" dirty="0">
                 <a:latin typeface="Times New Roman" panose="02020603050405020304" pitchFamily="18" charset="0"/>
                 <a:cs typeface="Times New Roman" panose="02020603050405020304" pitchFamily="18" charset="0"/>
               </a:rPr>
-              <a:t>LSTM - </a:t>
+              <a:t>MONTHLY ANALYSIS</a:t>
             </a:r>
-            <a:r>
-              <a:rPr lang="en-GB" sz="2200" b="0" i="0" dirty="0">
-                <a:solidFill>
-                  <a:srgbClr val="202124"/>
-                </a:solidFill>
-                <a:effectLst/>
-                <a:latin typeface="Times New Roman" panose="02020603050405020304" pitchFamily="18" charset="0"/>
-                <a:cs typeface="Times New Roman" panose="02020603050405020304" pitchFamily="18" charset="0"/>
-              </a:rPr>
-              <a:t>Long short-term memory (LSTM) is </a:t>
-            </a:r>
-            <a:r>
-              <a:rPr lang="en-GB" sz="2200" i="0" dirty="0">
-                <a:solidFill>
-                  <a:srgbClr val="202124"/>
-                </a:solidFill>
-                <a:effectLst/>
-                <a:latin typeface="Times New Roman" panose="02020603050405020304" pitchFamily="18" charset="0"/>
-                <a:cs typeface="Times New Roman" panose="02020603050405020304" pitchFamily="18" charset="0"/>
-              </a:rPr>
-              <a:t>an artificial neural network used in the fields of artificial intelligence and deep learning.</a:t>
-            </a:r>
-          </a:p>
-          <a:p>
-            <a:pPr>
-              <a:spcAft>
-                <a:spcPts val="1200"/>
-              </a:spcAft>
-              <a:buFont typeface="Wingdings" panose="05000000000000000000" pitchFamily="2" charset="2"/>
-              <a:buChar char="Ø"/>
-            </a:pPr>
-            <a:r>
-              <a:rPr lang="en-US" sz="2200" b="1" dirty="0" err="1">
-                <a:latin typeface="Times New Roman" panose="02020603050405020304" pitchFamily="18" charset="0"/>
-                <a:cs typeface="Times New Roman" panose="02020603050405020304" pitchFamily="18" charset="0"/>
-              </a:rPr>
-              <a:t>MinMaxScaler</a:t>
-            </a:r>
-            <a:r>
-              <a:rPr lang="en-US" sz="2200" b="1" dirty="0">
-                <a:latin typeface="Times New Roman" panose="02020603050405020304" pitchFamily="18" charset="0"/>
-                <a:cs typeface="Times New Roman" panose="02020603050405020304" pitchFamily="18" charset="0"/>
-              </a:rPr>
-              <a:t> - </a:t>
-            </a:r>
-            <a:r>
-              <a:rPr lang="en-GB" sz="2200" dirty="0">
-                <a:solidFill>
-                  <a:srgbClr val="202124"/>
-                </a:solidFill>
-                <a:latin typeface="Times New Roman" panose="02020603050405020304" pitchFamily="18" charset="0"/>
-                <a:cs typeface="Times New Roman" panose="02020603050405020304" pitchFamily="18" charset="0"/>
-              </a:rPr>
-              <a:t>It</a:t>
-            </a:r>
-            <a:r>
-              <a:rPr lang="en-GB" sz="2200" b="0" i="0" dirty="0">
-                <a:solidFill>
-                  <a:srgbClr val="202124"/>
-                </a:solidFill>
-                <a:effectLst/>
-                <a:latin typeface="Times New Roman" panose="02020603050405020304" pitchFamily="18" charset="0"/>
-                <a:cs typeface="Times New Roman" panose="02020603050405020304" pitchFamily="18" charset="0"/>
-              </a:rPr>
-              <a:t> can be used </a:t>
-            </a:r>
-            <a:r>
-              <a:rPr lang="en-GB" sz="2200" i="0" dirty="0">
-                <a:solidFill>
-                  <a:srgbClr val="202124"/>
-                </a:solidFill>
-                <a:effectLst/>
-                <a:latin typeface="Times New Roman" panose="02020603050405020304" pitchFamily="18" charset="0"/>
-                <a:cs typeface="Times New Roman" panose="02020603050405020304" pitchFamily="18" charset="0"/>
-              </a:rPr>
-              <a:t>from domain knowledge when the upper and lower boundaries are well-known.</a:t>
-            </a:r>
-          </a:p>
-          <a:p>
-            <a:pPr>
-              <a:spcAft>
-                <a:spcPts val="600"/>
-              </a:spcAft>
-              <a:buFont typeface="Wingdings" panose="05000000000000000000" pitchFamily="2" charset="2"/>
-              <a:buChar char="Ø"/>
-            </a:pPr>
-            <a:r>
-              <a:rPr lang="en-GB" sz="2200" b="1" dirty="0">
-                <a:solidFill>
-                  <a:srgbClr val="202124"/>
-                </a:solidFill>
-                <a:latin typeface="Times New Roman" panose="02020603050405020304" pitchFamily="18" charset="0"/>
-                <a:cs typeface="Times New Roman" panose="02020603050405020304" pitchFamily="18" charset="0"/>
-              </a:rPr>
-              <a:t>Sequential - </a:t>
-            </a:r>
-            <a:r>
-              <a:rPr lang="en-GB" sz="2200" b="0" i="0" dirty="0">
-                <a:solidFill>
-                  <a:srgbClr val="202124"/>
-                </a:solidFill>
-                <a:effectLst/>
-                <a:latin typeface="Times New Roman" panose="02020603050405020304" pitchFamily="18" charset="0"/>
-                <a:cs typeface="Times New Roman" panose="02020603050405020304" pitchFamily="18" charset="0"/>
-              </a:rPr>
-              <a:t>The sequential model </a:t>
-            </a:r>
-            <a:r>
-              <a:rPr lang="en-GB" sz="2200" i="0" dirty="0">
-                <a:solidFill>
-                  <a:srgbClr val="202124"/>
-                </a:solidFill>
-                <a:effectLst/>
-                <a:latin typeface="Times New Roman" panose="02020603050405020304" pitchFamily="18" charset="0"/>
-                <a:cs typeface="Times New Roman" panose="02020603050405020304" pitchFamily="18" charset="0"/>
-              </a:rPr>
-              <a:t>allows us to specify a neural network, precisely, sequential: from input to output, passing through a series of neural layers, one after the other</a:t>
-            </a:r>
-            <a:r>
-              <a:rPr lang="en-GB" sz="2200" b="0" i="0" dirty="0">
-                <a:solidFill>
-                  <a:srgbClr val="202124"/>
-                </a:solidFill>
-                <a:effectLst/>
-                <a:latin typeface="Times New Roman" panose="02020603050405020304" pitchFamily="18" charset="0"/>
-                <a:cs typeface="Times New Roman" panose="02020603050405020304" pitchFamily="18" charset="0"/>
-              </a:rPr>
-              <a:t>.</a:t>
-            </a:r>
-          </a:p>
-          <a:p>
-            <a:pPr>
-              <a:buFont typeface="Wingdings" panose="05000000000000000000" pitchFamily="2" charset="2"/>
-              <a:buChar char="Ø"/>
-            </a:pPr>
-            <a:endParaRPr lang="en-US" sz="2200" b="1" dirty="0">
+            <a:endParaRPr lang="en-US" dirty="0">
               <a:latin typeface="Times New Roman" panose="02020603050405020304" pitchFamily="18" charset="0"/>
               <a:cs typeface="Times New Roman" panose="02020603050405020304" pitchFamily="18" charset="0"/>
             </a:endParaRPr>
@@ -13651,7 +13547,7 @@
     </p:spTree>
     <p:extLst>
       <p:ext uri="{BB962C8B-B14F-4D97-AF65-F5344CB8AC3E}">
-        <p14:creationId xmlns:p14="http://schemas.microsoft.com/office/powerpoint/2010/main" val="3824398682"/>
+        <p14:creationId xmlns:p14="http://schemas.microsoft.com/office/powerpoint/2010/main" val="990036833"/>
       </p:ext>
     </p:extLst>
   </p:cSld>
@@ -13662,6 +13558,1113 @@
 </file>
 
 <file path=ppt/slides/slide11.xml><?xml version="1.0" encoding="utf-8"?>
+<p:sld xmlns:a="http://schemas.openxmlformats.org/drawingml/2006/main" xmlns:r="http://schemas.openxmlformats.org/officeDocument/2006/relationships" xmlns:p="http://schemas.openxmlformats.org/presentationml/2006/main">
+  <p:cSld>
+    <p:spTree>
+      <p:nvGrpSpPr>
+        <p:cNvPr id="1" name=""/>
+        <p:cNvGrpSpPr/>
+        <p:nvPr/>
+      </p:nvGrpSpPr>
+      <p:grpSpPr>
+        <a:xfrm>
+          <a:off x="0" y="0"/>
+          <a:ext cx="0" cy="0"/>
+          <a:chOff x="0" y="0"/>
+          <a:chExt cx="0" cy="0"/>
+        </a:xfrm>
+      </p:grpSpPr>
+      <p:sp>
+        <p:nvSpPr>
+          <p:cNvPr id="5" name="Title 1">
+            <a:extLst>
+              <a:ext uri="{FF2B5EF4-FFF2-40B4-BE49-F238E27FC236}">
+                <a16:creationId xmlns:a16="http://schemas.microsoft.com/office/drawing/2014/main" id="{95A55549-342C-2B08-39D4-12A423B152C2}"/>
+              </a:ext>
+            </a:extLst>
+          </p:cNvPr>
+          <p:cNvSpPr txBox="1">
+            <a:spLocks/>
+          </p:cNvSpPr>
+          <p:nvPr/>
+        </p:nvSpPr>
+        <p:spPr>
+          <a:xfrm>
+            <a:off x="360218" y="983672"/>
+            <a:ext cx="8409709" cy="540327"/>
+          </a:xfrm>
+          <a:prstGeom prst="rect">
+            <a:avLst/>
+          </a:prstGeom>
+          <a:noFill/>
+          <a:ln>
+            <a:noFill/>
+          </a:ln>
+        </p:spPr>
+        <p:txBody>
+          <a:bodyPr spcFirstLastPara="1" wrap="square" lIns="91425" tIns="91425" rIns="91425" bIns="91425" anchor="t" anchorCtr="0">
+            <a:noAutofit/>
+          </a:bodyPr>
+          <a:lstStyle>
+            <a:defPPr marR="0" lvl="0" algn="l" rtl="0">
+              <a:lnSpc>
+                <a:spcPct val="100000"/>
+              </a:lnSpc>
+              <a:spcBef>
+                <a:spcPts val="0"/>
+              </a:spcBef>
+              <a:spcAft>
+                <a:spcPts val="0"/>
+              </a:spcAft>
+            </a:defPPr>
+            <a:lvl1pPr marR="0" lvl="0" algn="l" rtl="0" eaLnBrk="0" fontAlgn="base" hangingPunct="0">
+              <a:lnSpc>
+                <a:spcPct val="100000"/>
+              </a:lnSpc>
+              <a:spcBef>
+                <a:spcPts val="0"/>
+              </a:spcBef>
+              <a:spcAft>
+                <a:spcPts val="0"/>
+              </a:spcAft>
+              <a:buClr>
+                <a:srgbClr val="000000"/>
+              </a:buClr>
+              <a:buSzPts val="2800"/>
+              <a:buFont typeface="Arial"/>
+              <a:buNone/>
+              <a:defRPr sz="1400" b="0" i="0" u="none" strike="noStrike" cap="none">
+                <a:solidFill>
+                  <a:srgbClr val="000000"/>
+                </a:solidFill>
+                <a:latin typeface="Arial"/>
+                <a:ea typeface="Arial"/>
+                <a:cs typeface="Arial"/>
+                <a:sym typeface="Arial"/>
+              </a:defRPr>
+            </a:lvl1pPr>
+            <a:lvl2pPr marR="0" lvl="1" algn="l" rtl="0" eaLnBrk="0" fontAlgn="base" hangingPunct="0">
+              <a:lnSpc>
+                <a:spcPct val="100000"/>
+              </a:lnSpc>
+              <a:spcBef>
+                <a:spcPts val="0"/>
+              </a:spcBef>
+              <a:spcAft>
+                <a:spcPts val="0"/>
+              </a:spcAft>
+              <a:buClr>
+                <a:srgbClr val="000000"/>
+              </a:buClr>
+              <a:buSzPts val="2800"/>
+              <a:buFont typeface="Arial"/>
+              <a:buNone/>
+              <a:defRPr sz="1400" b="0" i="0" u="none" strike="noStrike" cap="none">
+                <a:solidFill>
+                  <a:srgbClr val="000000"/>
+                </a:solidFill>
+                <a:latin typeface="Arial"/>
+                <a:ea typeface="Arial"/>
+                <a:cs typeface="Arial"/>
+                <a:sym typeface="Arial"/>
+              </a:defRPr>
+            </a:lvl2pPr>
+            <a:lvl3pPr marR="0" lvl="2" algn="l" rtl="0" eaLnBrk="0" fontAlgn="base" hangingPunct="0">
+              <a:lnSpc>
+                <a:spcPct val="100000"/>
+              </a:lnSpc>
+              <a:spcBef>
+                <a:spcPts val="0"/>
+              </a:spcBef>
+              <a:spcAft>
+                <a:spcPts val="0"/>
+              </a:spcAft>
+              <a:buClr>
+                <a:srgbClr val="000000"/>
+              </a:buClr>
+              <a:buSzPts val="2800"/>
+              <a:buFont typeface="Arial"/>
+              <a:buNone/>
+              <a:defRPr sz="1400" b="0" i="0" u="none" strike="noStrike" cap="none">
+                <a:solidFill>
+                  <a:srgbClr val="000000"/>
+                </a:solidFill>
+                <a:latin typeface="Arial"/>
+                <a:ea typeface="Arial"/>
+                <a:cs typeface="Arial"/>
+                <a:sym typeface="Arial"/>
+              </a:defRPr>
+            </a:lvl3pPr>
+            <a:lvl4pPr marR="0" lvl="3" algn="l" rtl="0" eaLnBrk="0" fontAlgn="base" hangingPunct="0">
+              <a:lnSpc>
+                <a:spcPct val="100000"/>
+              </a:lnSpc>
+              <a:spcBef>
+                <a:spcPts val="0"/>
+              </a:spcBef>
+              <a:spcAft>
+                <a:spcPts val="0"/>
+              </a:spcAft>
+              <a:buClr>
+                <a:srgbClr val="000000"/>
+              </a:buClr>
+              <a:buSzPts val="2800"/>
+              <a:buFont typeface="Arial"/>
+              <a:buNone/>
+              <a:defRPr sz="1400" b="0" i="0" u="none" strike="noStrike" cap="none">
+                <a:solidFill>
+                  <a:srgbClr val="000000"/>
+                </a:solidFill>
+                <a:latin typeface="Arial"/>
+                <a:ea typeface="Arial"/>
+                <a:cs typeface="Arial"/>
+                <a:sym typeface="Arial"/>
+              </a:defRPr>
+            </a:lvl4pPr>
+            <a:lvl5pPr marR="0" lvl="4" algn="l" rtl="0" eaLnBrk="0" fontAlgn="base" hangingPunct="0">
+              <a:lnSpc>
+                <a:spcPct val="100000"/>
+              </a:lnSpc>
+              <a:spcBef>
+                <a:spcPts val="0"/>
+              </a:spcBef>
+              <a:spcAft>
+                <a:spcPts val="0"/>
+              </a:spcAft>
+              <a:buClr>
+                <a:srgbClr val="000000"/>
+              </a:buClr>
+              <a:buSzPts val="2800"/>
+              <a:buFont typeface="Arial"/>
+              <a:buNone/>
+              <a:defRPr sz="1400" b="0" i="0" u="none" strike="noStrike" cap="none">
+                <a:solidFill>
+                  <a:srgbClr val="000000"/>
+                </a:solidFill>
+                <a:latin typeface="Arial"/>
+                <a:ea typeface="Arial"/>
+                <a:cs typeface="Arial"/>
+                <a:sym typeface="Arial"/>
+              </a:defRPr>
+            </a:lvl5pPr>
+            <a:lvl6pPr marR="0" lvl="5" algn="l" rtl="0">
+              <a:lnSpc>
+                <a:spcPct val="100000"/>
+              </a:lnSpc>
+              <a:spcBef>
+                <a:spcPts val="0"/>
+              </a:spcBef>
+              <a:spcAft>
+                <a:spcPts val="0"/>
+              </a:spcAft>
+              <a:buClr>
+                <a:srgbClr val="000000"/>
+              </a:buClr>
+              <a:buSzPts val="2800"/>
+              <a:buFont typeface="Arial"/>
+              <a:buNone/>
+              <a:defRPr sz="1400" b="0" i="0" u="none" strike="noStrike" cap="none">
+                <a:solidFill>
+                  <a:srgbClr val="000000"/>
+                </a:solidFill>
+                <a:latin typeface="Arial"/>
+                <a:ea typeface="Arial"/>
+                <a:cs typeface="Arial"/>
+                <a:sym typeface="Arial"/>
+              </a:defRPr>
+            </a:lvl6pPr>
+            <a:lvl7pPr marR="0" lvl="6" algn="l" rtl="0">
+              <a:lnSpc>
+                <a:spcPct val="100000"/>
+              </a:lnSpc>
+              <a:spcBef>
+                <a:spcPts val="0"/>
+              </a:spcBef>
+              <a:spcAft>
+                <a:spcPts val="0"/>
+              </a:spcAft>
+              <a:buClr>
+                <a:srgbClr val="000000"/>
+              </a:buClr>
+              <a:buSzPts val="2800"/>
+              <a:buFont typeface="Arial"/>
+              <a:buNone/>
+              <a:defRPr sz="1400" b="0" i="0" u="none" strike="noStrike" cap="none">
+                <a:solidFill>
+                  <a:srgbClr val="000000"/>
+                </a:solidFill>
+                <a:latin typeface="Arial"/>
+                <a:ea typeface="Arial"/>
+                <a:cs typeface="Arial"/>
+                <a:sym typeface="Arial"/>
+              </a:defRPr>
+            </a:lvl7pPr>
+            <a:lvl8pPr marR="0" lvl="7" algn="l" rtl="0">
+              <a:lnSpc>
+                <a:spcPct val="100000"/>
+              </a:lnSpc>
+              <a:spcBef>
+                <a:spcPts val="0"/>
+              </a:spcBef>
+              <a:spcAft>
+                <a:spcPts val="0"/>
+              </a:spcAft>
+              <a:buClr>
+                <a:srgbClr val="000000"/>
+              </a:buClr>
+              <a:buSzPts val="2800"/>
+              <a:buFont typeface="Arial"/>
+              <a:buNone/>
+              <a:defRPr sz="1400" b="0" i="0" u="none" strike="noStrike" cap="none">
+                <a:solidFill>
+                  <a:srgbClr val="000000"/>
+                </a:solidFill>
+                <a:latin typeface="Arial"/>
+                <a:ea typeface="Arial"/>
+                <a:cs typeface="Arial"/>
+                <a:sym typeface="Arial"/>
+              </a:defRPr>
+            </a:lvl8pPr>
+            <a:lvl9pPr marR="0" lvl="8" algn="l" rtl="0">
+              <a:lnSpc>
+                <a:spcPct val="100000"/>
+              </a:lnSpc>
+              <a:spcBef>
+                <a:spcPts val="0"/>
+              </a:spcBef>
+              <a:spcAft>
+                <a:spcPts val="0"/>
+              </a:spcAft>
+              <a:buClr>
+                <a:srgbClr val="000000"/>
+              </a:buClr>
+              <a:buSzPts val="2800"/>
+              <a:buFont typeface="Arial"/>
+              <a:buNone/>
+              <a:defRPr sz="1400" b="0" i="0" u="none" strike="noStrike" cap="none">
+                <a:solidFill>
+                  <a:srgbClr val="000000"/>
+                </a:solidFill>
+                <a:latin typeface="Arial"/>
+                <a:ea typeface="Arial"/>
+                <a:cs typeface="Arial"/>
+                <a:sym typeface="Arial"/>
+              </a:defRPr>
+            </a:lvl9pPr>
+          </a:lstStyle>
+          <a:p>
+            <a:pPr algn="ctr" eaLnBrk="1" hangingPunct="1"/>
+            <a:r>
+              <a:rPr lang="en-US" altLang="en-US" sz="2800" b="1" kern="0" dirty="0">
+                <a:solidFill>
+                  <a:srgbClr val="00B050"/>
+                </a:solidFill>
+                <a:latin typeface="Times New Roman" panose="02020603050405020304" pitchFamily="18" charset="0"/>
+                <a:ea typeface="Calibri" panose="020F0502020204030204" pitchFamily="34" charset="0"/>
+                <a:cs typeface="Times New Roman" panose="02020603050405020304" pitchFamily="18" charset="0"/>
+                <a:sym typeface="Calibri" panose="020F0502020204030204" pitchFamily="34" charset="0"/>
+              </a:rPr>
+              <a:t>DATA VISUALIZATION</a:t>
+            </a:r>
+          </a:p>
+        </p:txBody>
+      </p:sp>
+      <p:pic>
+        <p:nvPicPr>
+          <p:cNvPr id="3" name="Picture 2">
+            <a:extLst>
+              <a:ext uri="{FF2B5EF4-FFF2-40B4-BE49-F238E27FC236}">
+                <a16:creationId xmlns:a16="http://schemas.microsoft.com/office/drawing/2014/main" id="{3FDE1687-5E59-3EDE-AEA4-367595B2C428}"/>
+              </a:ext>
+            </a:extLst>
+          </p:cNvPr>
+          <p:cNvPicPr>
+            <a:picLocks noChangeAspect="1"/>
+          </p:cNvPicPr>
+          <p:nvPr/>
+        </p:nvPicPr>
+        <p:blipFill>
+          <a:blip r:embed="rId2"/>
+          <a:stretch>
+            <a:fillRect/>
+          </a:stretch>
+        </p:blipFill>
+        <p:spPr>
+          <a:xfrm>
+            <a:off x="360217" y="1901118"/>
+            <a:ext cx="8409709" cy="3415982"/>
+          </a:xfrm>
+          <a:prstGeom prst="rect">
+            <a:avLst/>
+          </a:prstGeom>
+        </p:spPr>
+      </p:pic>
+      <p:sp>
+        <p:nvSpPr>
+          <p:cNvPr id="4" name="TextBox 3">
+            <a:extLst>
+              <a:ext uri="{FF2B5EF4-FFF2-40B4-BE49-F238E27FC236}">
+                <a16:creationId xmlns:a16="http://schemas.microsoft.com/office/drawing/2014/main" id="{511632D5-3476-4D37-DE70-F4E4854F14B3}"/>
+              </a:ext>
+            </a:extLst>
+          </p:cNvPr>
+          <p:cNvSpPr txBox="1"/>
+          <p:nvPr/>
+        </p:nvSpPr>
+        <p:spPr>
+          <a:xfrm>
+            <a:off x="3109612" y="5566551"/>
+            <a:ext cx="2924775" cy="307777"/>
+          </a:xfrm>
+          <a:prstGeom prst="rect">
+            <a:avLst/>
+          </a:prstGeom>
+          <a:noFill/>
+        </p:spPr>
+        <p:txBody>
+          <a:bodyPr wrap="none" rtlCol="0">
+            <a:spAutoFit/>
+          </a:bodyPr>
+          <a:lstStyle/>
+          <a:p>
+            <a:r>
+              <a:rPr lang="en-GB" dirty="0">
+                <a:latin typeface="Times New Roman" panose="02020603050405020304" pitchFamily="18" charset="0"/>
+                <a:cs typeface="Times New Roman" panose="02020603050405020304" pitchFamily="18" charset="0"/>
+              </a:rPr>
+              <a:t>WAREHOUSE BASED ANALYSIS</a:t>
+            </a:r>
+            <a:endParaRPr lang="en-US" dirty="0">
+              <a:latin typeface="Times New Roman" panose="02020603050405020304" pitchFamily="18" charset="0"/>
+              <a:cs typeface="Times New Roman" panose="02020603050405020304" pitchFamily="18" charset="0"/>
+            </a:endParaRPr>
+          </a:p>
+        </p:txBody>
+      </p:sp>
+    </p:spTree>
+    <p:extLst>
+      <p:ext uri="{BB962C8B-B14F-4D97-AF65-F5344CB8AC3E}">
+        <p14:creationId xmlns:p14="http://schemas.microsoft.com/office/powerpoint/2010/main" val="2367587178"/>
+      </p:ext>
+    </p:extLst>
+  </p:cSld>
+  <p:clrMapOvr>
+    <a:masterClrMapping/>
+  </p:clrMapOvr>
+</p:sld>
+</file>
+
+<file path=ppt/slides/slide12.xml><?xml version="1.0" encoding="utf-8"?>
+<p:sld xmlns:a="http://schemas.openxmlformats.org/drawingml/2006/main" xmlns:r="http://schemas.openxmlformats.org/officeDocument/2006/relationships" xmlns:p="http://schemas.openxmlformats.org/presentationml/2006/main">
+  <p:cSld>
+    <p:spTree>
+      <p:nvGrpSpPr>
+        <p:cNvPr id="1" name=""/>
+        <p:cNvGrpSpPr/>
+        <p:nvPr/>
+      </p:nvGrpSpPr>
+      <p:grpSpPr>
+        <a:xfrm>
+          <a:off x="0" y="0"/>
+          <a:ext cx="0" cy="0"/>
+          <a:chOff x="0" y="0"/>
+          <a:chExt cx="0" cy="0"/>
+        </a:xfrm>
+      </p:grpSpPr>
+      <p:sp>
+        <p:nvSpPr>
+          <p:cNvPr id="5" name="Title 1">
+            <a:extLst>
+              <a:ext uri="{FF2B5EF4-FFF2-40B4-BE49-F238E27FC236}">
+                <a16:creationId xmlns:a16="http://schemas.microsoft.com/office/drawing/2014/main" id="{95A55549-342C-2B08-39D4-12A423B152C2}"/>
+              </a:ext>
+            </a:extLst>
+          </p:cNvPr>
+          <p:cNvSpPr txBox="1">
+            <a:spLocks/>
+          </p:cNvSpPr>
+          <p:nvPr/>
+        </p:nvSpPr>
+        <p:spPr>
+          <a:xfrm>
+            <a:off x="360218" y="983672"/>
+            <a:ext cx="8409709" cy="540327"/>
+          </a:xfrm>
+          <a:prstGeom prst="rect">
+            <a:avLst/>
+          </a:prstGeom>
+          <a:noFill/>
+          <a:ln>
+            <a:noFill/>
+          </a:ln>
+        </p:spPr>
+        <p:txBody>
+          <a:bodyPr spcFirstLastPara="1" wrap="square" lIns="91425" tIns="91425" rIns="91425" bIns="91425" anchor="t" anchorCtr="0">
+            <a:noAutofit/>
+          </a:bodyPr>
+          <a:lstStyle>
+            <a:defPPr marR="0" lvl="0" algn="l" rtl="0">
+              <a:lnSpc>
+                <a:spcPct val="100000"/>
+              </a:lnSpc>
+              <a:spcBef>
+                <a:spcPts val="0"/>
+              </a:spcBef>
+              <a:spcAft>
+                <a:spcPts val="0"/>
+              </a:spcAft>
+            </a:defPPr>
+            <a:lvl1pPr marR="0" lvl="0" algn="l" rtl="0" eaLnBrk="0" fontAlgn="base" hangingPunct="0">
+              <a:lnSpc>
+                <a:spcPct val="100000"/>
+              </a:lnSpc>
+              <a:spcBef>
+                <a:spcPts val="0"/>
+              </a:spcBef>
+              <a:spcAft>
+                <a:spcPts val="0"/>
+              </a:spcAft>
+              <a:buClr>
+                <a:srgbClr val="000000"/>
+              </a:buClr>
+              <a:buSzPts val="2800"/>
+              <a:buFont typeface="Arial"/>
+              <a:buNone/>
+              <a:defRPr sz="1400" b="0" i="0" u="none" strike="noStrike" cap="none">
+                <a:solidFill>
+                  <a:srgbClr val="000000"/>
+                </a:solidFill>
+                <a:latin typeface="Arial"/>
+                <a:ea typeface="Arial"/>
+                <a:cs typeface="Arial"/>
+                <a:sym typeface="Arial"/>
+              </a:defRPr>
+            </a:lvl1pPr>
+            <a:lvl2pPr marR="0" lvl="1" algn="l" rtl="0" eaLnBrk="0" fontAlgn="base" hangingPunct="0">
+              <a:lnSpc>
+                <a:spcPct val="100000"/>
+              </a:lnSpc>
+              <a:spcBef>
+                <a:spcPts val="0"/>
+              </a:spcBef>
+              <a:spcAft>
+                <a:spcPts val="0"/>
+              </a:spcAft>
+              <a:buClr>
+                <a:srgbClr val="000000"/>
+              </a:buClr>
+              <a:buSzPts val="2800"/>
+              <a:buFont typeface="Arial"/>
+              <a:buNone/>
+              <a:defRPr sz="1400" b="0" i="0" u="none" strike="noStrike" cap="none">
+                <a:solidFill>
+                  <a:srgbClr val="000000"/>
+                </a:solidFill>
+                <a:latin typeface="Arial"/>
+                <a:ea typeface="Arial"/>
+                <a:cs typeface="Arial"/>
+                <a:sym typeface="Arial"/>
+              </a:defRPr>
+            </a:lvl2pPr>
+            <a:lvl3pPr marR="0" lvl="2" algn="l" rtl="0" eaLnBrk="0" fontAlgn="base" hangingPunct="0">
+              <a:lnSpc>
+                <a:spcPct val="100000"/>
+              </a:lnSpc>
+              <a:spcBef>
+                <a:spcPts val="0"/>
+              </a:spcBef>
+              <a:spcAft>
+                <a:spcPts val="0"/>
+              </a:spcAft>
+              <a:buClr>
+                <a:srgbClr val="000000"/>
+              </a:buClr>
+              <a:buSzPts val="2800"/>
+              <a:buFont typeface="Arial"/>
+              <a:buNone/>
+              <a:defRPr sz="1400" b="0" i="0" u="none" strike="noStrike" cap="none">
+                <a:solidFill>
+                  <a:srgbClr val="000000"/>
+                </a:solidFill>
+                <a:latin typeface="Arial"/>
+                <a:ea typeface="Arial"/>
+                <a:cs typeface="Arial"/>
+                <a:sym typeface="Arial"/>
+              </a:defRPr>
+            </a:lvl3pPr>
+            <a:lvl4pPr marR="0" lvl="3" algn="l" rtl="0" eaLnBrk="0" fontAlgn="base" hangingPunct="0">
+              <a:lnSpc>
+                <a:spcPct val="100000"/>
+              </a:lnSpc>
+              <a:spcBef>
+                <a:spcPts val="0"/>
+              </a:spcBef>
+              <a:spcAft>
+                <a:spcPts val="0"/>
+              </a:spcAft>
+              <a:buClr>
+                <a:srgbClr val="000000"/>
+              </a:buClr>
+              <a:buSzPts val="2800"/>
+              <a:buFont typeface="Arial"/>
+              <a:buNone/>
+              <a:defRPr sz="1400" b="0" i="0" u="none" strike="noStrike" cap="none">
+                <a:solidFill>
+                  <a:srgbClr val="000000"/>
+                </a:solidFill>
+                <a:latin typeface="Arial"/>
+                <a:ea typeface="Arial"/>
+                <a:cs typeface="Arial"/>
+                <a:sym typeface="Arial"/>
+              </a:defRPr>
+            </a:lvl4pPr>
+            <a:lvl5pPr marR="0" lvl="4" algn="l" rtl="0" eaLnBrk="0" fontAlgn="base" hangingPunct="0">
+              <a:lnSpc>
+                <a:spcPct val="100000"/>
+              </a:lnSpc>
+              <a:spcBef>
+                <a:spcPts val="0"/>
+              </a:spcBef>
+              <a:spcAft>
+                <a:spcPts val="0"/>
+              </a:spcAft>
+              <a:buClr>
+                <a:srgbClr val="000000"/>
+              </a:buClr>
+              <a:buSzPts val="2800"/>
+              <a:buFont typeface="Arial"/>
+              <a:buNone/>
+              <a:defRPr sz="1400" b="0" i="0" u="none" strike="noStrike" cap="none">
+                <a:solidFill>
+                  <a:srgbClr val="000000"/>
+                </a:solidFill>
+                <a:latin typeface="Arial"/>
+                <a:ea typeface="Arial"/>
+                <a:cs typeface="Arial"/>
+                <a:sym typeface="Arial"/>
+              </a:defRPr>
+            </a:lvl5pPr>
+            <a:lvl6pPr marR="0" lvl="5" algn="l" rtl="0">
+              <a:lnSpc>
+                <a:spcPct val="100000"/>
+              </a:lnSpc>
+              <a:spcBef>
+                <a:spcPts val="0"/>
+              </a:spcBef>
+              <a:spcAft>
+                <a:spcPts val="0"/>
+              </a:spcAft>
+              <a:buClr>
+                <a:srgbClr val="000000"/>
+              </a:buClr>
+              <a:buSzPts val="2800"/>
+              <a:buFont typeface="Arial"/>
+              <a:buNone/>
+              <a:defRPr sz="1400" b="0" i="0" u="none" strike="noStrike" cap="none">
+                <a:solidFill>
+                  <a:srgbClr val="000000"/>
+                </a:solidFill>
+                <a:latin typeface="Arial"/>
+                <a:ea typeface="Arial"/>
+                <a:cs typeface="Arial"/>
+                <a:sym typeface="Arial"/>
+              </a:defRPr>
+            </a:lvl6pPr>
+            <a:lvl7pPr marR="0" lvl="6" algn="l" rtl="0">
+              <a:lnSpc>
+                <a:spcPct val="100000"/>
+              </a:lnSpc>
+              <a:spcBef>
+                <a:spcPts val="0"/>
+              </a:spcBef>
+              <a:spcAft>
+                <a:spcPts val="0"/>
+              </a:spcAft>
+              <a:buClr>
+                <a:srgbClr val="000000"/>
+              </a:buClr>
+              <a:buSzPts val="2800"/>
+              <a:buFont typeface="Arial"/>
+              <a:buNone/>
+              <a:defRPr sz="1400" b="0" i="0" u="none" strike="noStrike" cap="none">
+                <a:solidFill>
+                  <a:srgbClr val="000000"/>
+                </a:solidFill>
+                <a:latin typeface="Arial"/>
+                <a:ea typeface="Arial"/>
+                <a:cs typeface="Arial"/>
+                <a:sym typeface="Arial"/>
+              </a:defRPr>
+            </a:lvl7pPr>
+            <a:lvl8pPr marR="0" lvl="7" algn="l" rtl="0">
+              <a:lnSpc>
+                <a:spcPct val="100000"/>
+              </a:lnSpc>
+              <a:spcBef>
+                <a:spcPts val="0"/>
+              </a:spcBef>
+              <a:spcAft>
+                <a:spcPts val="0"/>
+              </a:spcAft>
+              <a:buClr>
+                <a:srgbClr val="000000"/>
+              </a:buClr>
+              <a:buSzPts val="2800"/>
+              <a:buFont typeface="Arial"/>
+              <a:buNone/>
+              <a:defRPr sz="1400" b="0" i="0" u="none" strike="noStrike" cap="none">
+                <a:solidFill>
+                  <a:srgbClr val="000000"/>
+                </a:solidFill>
+                <a:latin typeface="Arial"/>
+                <a:ea typeface="Arial"/>
+                <a:cs typeface="Arial"/>
+                <a:sym typeface="Arial"/>
+              </a:defRPr>
+            </a:lvl8pPr>
+            <a:lvl9pPr marR="0" lvl="8" algn="l" rtl="0">
+              <a:lnSpc>
+                <a:spcPct val="100000"/>
+              </a:lnSpc>
+              <a:spcBef>
+                <a:spcPts val="0"/>
+              </a:spcBef>
+              <a:spcAft>
+                <a:spcPts val="0"/>
+              </a:spcAft>
+              <a:buClr>
+                <a:srgbClr val="000000"/>
+              </a:buClr>
+              <a:buSzPts val="2800"/>
+              <a:buFont typeface="Arial"/>
+              <a:buNone/>
+              <a:defRPr sz="1400" b="0" i="0" u="none" strike="noStrike" cap="none">
+                <a:solidFill>
+                  <a:srgbClr val="000000"/>
+                </a:solidFill>
+                <a:latin typeface="Arial"/>
+                <a:ea typeface="Arial"/>
+                <a:cs typeface="Arial"/>
+                <a:sym typeface="Arial"/>
+              </a:defRPr>
+            </a:lvl9pPr>
+          </a:lstStyle>
+          <a:p>
+            <a:pPr algn="ctr" eaLnBrk="1" hangingPunct="1"/>
+            <a:r>
+              <a:rPr lang="en-US" altLang="en-US" sz="2800" b="1" kern="0" dirty="0">
+                <a:solidFill>
+                  <a:srgbClr val="00B050"/>
+                </a:solidFill>
+                <a:latin typeface="Times New Roman" panose="02020603050405020304" pitchFamily="18" charset="0"/>
+                <a:ea typeface="Calibri" panose="020F0502020204030204" pitchFamily="34" charset="0"/>
+                <a:cs typeface="Times New Roman" panose="02020603050405020304" pitchFamily="18" charset="0"/>
+                <a:sym typeface="Calibri" panose="020F0502020204030204" pitchFamily="34" charset="0"/>
+              </a:rPr>
+              <a:t>MODEL TRAINING</a:t>
+            </a:r>
+          </a:p>
+        </p:txBody>
+      </p:sp>
+      <p:pic>
+        <p:nvPicPr>
+          <p:cNvPr id="9" name="Picture 8">
+            <a:extLst>
+              <a:ext uri="{FF2B5EF4-FFF2-40B4-BE49-F238E27FC236}">
+                <a16:creationId xmlns:a16="http://schemas.microsoft.com/office/drawing/2014/main" id="{990F3925-D88B-89DB-075B-F92B78946B07}"/>
+              </a:ext>
+            </a:extLst>
+          </p:cNvPr>
+          <p:cNvPicPr>
+            <a:picLocks noChangeAspect="1"/>
+          </p:cNvPicPr>
+          <p:nvPr/>
+        </p:nvPicPr>
+        <p:blipFill>
+          <a:blip r:embed="rId2"/>
+          <a:stretch>
+            <a:fillRect/>
+          </a:stretch>
+        </p:blipFill>
+        <p:spPr>
+          <a:xfrm>
+            <a:off x="367145" y="1884388"/>
+            <a:ext cx="8409709" cy="3781953"/>
+          </a:xfrm>
+          <a:prstGeom prst="rect">
+            <a:avLst/>
+          </a:prstGeom>
+        </p:spPr>
+      </p:pic>
+    </p:spTree>
+    <p:extLst>
+      <p:ext uri="{BB962C8B-B14F-4D97-AF65-F5344CB8AC3E}">
+        <p14:creationId xmlns:p14="http://schemas.microsoft.com/office/powerpoint/2010/main" val="3000298062"/>
+      </p:ext>
+    </p:extLst>
+  </p:cSld>
+  <p:clrMapOvr>
+    <a:masterClrMapping/>
+  </p:clrMapOvr>
+</p:sld>
+</file>
+
+<file path=ppt/slides/slide13.xml><?xml version="1.0" encoding="utf-8"?>
+<p:sld xmlns:a="http://schemas.openxmlformats.org/drawingml/2006/main" xmlns:r="http://schemas.openxmlformats.org/officeDocument/2006/relationships" xmlns:p="http://schemas.openxmlformats.org/presentationml/2006/main">
+  <p:cSld>
+    <p:spTree>
+      <p:nvGrpSpPr>
+        <p:cNvPr id="1" name=""/>
+        <p:cNvGrpSpPr/>
+        <p:nvPr/>
+      </p:nvGrpSpPr>
+      <p:grpSpPr>
+        <a:xfrm>
+          <a:off x="0" y="0"/>
+          <a:ext cx="0" cy="0"/>
+          <a:chOff x="0" y="0"/>
+          <a:chExt cx="0" cy="0"/>
+        </a:xfrm>
+      </p:grpSpPr>
+      <p:sp>
+        <p:nvSpPr>
+          <p:cNvPr id="5" name="Title 1">
+            <a:extLst>
+              <a:ext uri="{FF2B5EF4-FFF2-40B4-BE49-F238E27FC236}">
+                <a16:creationId xmlns:a16="http://schemas.microsoft.com/office/drawing/2014/main" id="{95A55549-342C-2B08-39D4-12A423B152C2}"/>
+              </a:ext>
+            </a:extLst>
+          </p:cNvPr>
+          <p:cNvSpPr txBox="1">
+            <a:spLocks/>
+          </p:cNvSpPr>
+          <p:nvPr/>
+        </p:nvSpPr>
+        <p:spPr>
+          <a:xfrm>
+            <a:off x="360218" y="983672"/>
+            <a:ext cx="8409709" cy="540327"/>
+          </a:xfrm>
+          <a:prstGeom prst="rect">
+            <a:avLst/>
+          </a:prstGeom>
+          <a:noFill/>
+          <a:ln>
+            <a:noFill/>
+          </a:ln>
+        </p:spPr>
+        <p:txBody>
+          <a:bodyPr spcFirstLastPara="1" wrap="square" lIns="91425" tIns="91425" rIns="91425" bIns="91425" anchor="t" anchorCtr="0">
+            <a:noAutofit/>
+          </a:bodyPr>
+          <a:lstStyle>
+            <a:defPPr marR="0" lvl="0" algn="l" rtl="0">
+              <a:lnSpc>
+                <a:spcPct val="100000"/>
+              </a:lnSpc>
+              <a:spcBef>
+                <a:spcPts val="0"/>
+              </a:spcBef>
+              <a:spcAft>
+                <a:spcPts val="0"/>
+              </a:spcAft>
+            </a:defPPr>
+            <a:lvl1pPr marR="0" lvl="0" algn="l" rtl="0" eaLnBrk="0" fontAlgn="base" hangingPunct="0">
+              <a:lnSpc>
+                <a:spcPct val="100000"/>
+              </a:lnSpc>
+              <a:spcBef>
+                <a:spcPts val="0"/>
+              </a:spcBef>
+              <a:spcAft>
+                <a:spcPts val="0"/>
+              </a:spcAft>
+              <a:buClr>
+                <a:srgbClr val="000000"/>
+              </a:buClr>
+              <a:buSzPts val="2800"/>
+              <a:buFont typeface="Arial"/>
+              <a:buNone/>
+              <a:defRPr sz="1400" b="0" i="0" u="none" strike="noStrike" cap="none">
+                <a:solidFill>
+                  <a:srgbClr val="000000"/>
+                </a:solidFill>
+                <a:latin typeface="Arial"/>
+                <a:ea typeface="Arial"/>
+                <a:cs typeface="Arial"/>
+                <a:sym typeface="Arial"/>
+              </a:defRPr>
+            </a:lvl1pPr>
+            <a:lvl2pPr marR="0" lvl="1" algn="l" rtl="0" eaLnBrk="0" fontAlgn="base" hangingPunct="0">
+              <a:lnSpc>
+                <a:spcPct val="100000"/>
+              </a:lnSpc>
+              <a:spcBef>
+                <a:spcPts val="0"/>
+              </a:spcBef>
+              <a:spcAft>
+                <a:spcPts val="0"/>
+              </a:spcAft>
+              <a:buClr>
+                <a:srgbClr val="000000"/>
+              </a:buClr>
+              <a:buSzPts val="2800"/>
+              <a:buFont typeface="Arial"/>
+              <a:buNone/>
+              <a:defRPr sz="1400" b="0" i="0" u="none" strike="noStrike" cap="none">
+                <a:solidFill>
+                  <a:srgbClr val="000000"/>
+                </a:solidFill>
+                <a:latin typeface="Arial"/>
+                <a:ea typeface="Arial"/>
+                <a:cs typeface="Arial"/>
+                <a:sym typeface="Arial"/>
+              </a:defRPr>
+            </a:lvl2pPr>
+            <a:lvl3pPr marR="0" lvl="2" algn="l" rtl="0" eaLnBrk="0" fontAlgn="base" hangingPunct="0">
+              <a:lnSpc>
+                <a:spcPct val="100000"/>
+              </a:lnSpc>
+              <a:spcBef>
+                <a:spcPts val="0"/>
+              </a:spcBef>
+              <a:spcAft>
+                <a:spcPts val="0"/>
+              </a:spcAft>
+              <a:buClr>
+                <a:srgbClr val="000000"/>
+              </a:buClr>
+              <a:buSzPts val="2800"/>
+              <a:buFont typeface="Arial"/>
+              <a:buNone/>
+              <a:defRPr sz="1400" b="0" i="0" u="none" strike="noStrike" cap="none">
+                <a:solidFill>
+                  <a:srgbClr val="000000"/>
+                </a:solidFill>
+                <a:latin typeface="Arial"/>
+                <a:ea typeface="Arial"/>
+                <a:cs typeface="Arial"/>
+                <a:sym typeface="Arial"/>
+              </a:defRPr>
+            </a:lvl3pPr>
+            <a:lvl4pPr marR="0" lvl="3" algn="l" rtl="0" eaLnBrk="0" fontAlgn="base" hangingPunct="0">
+              <a:lnSpc>
+                <a:spcPct val="100000"/>
+              </a:lnSpc>
+              <a:spcBef>
+                <a:spcPts val="0"/>
+              </a:spcBef>
+              <a:spcAft>
+                <a:spcPts val="0"/>
+              </a:spcAft>
+              <a:buClr>
+                <a:srgbClr val="000000"/>
+              </a:buClr>
+              <a:buSzPts val="2800"/>
+              <a:buFont typeface="Arial"/>
+              <a:buNone/>
+              <a:defRPr sz="1400" b="0" i="0" u="none" strike="noStrike" cap="none">
+                <a:solidFill>
+                  <a:srgbClr val="000000"/>
+                </a:solidFill>
+                <a:latin typeface="Arial"/>
+                <a:ea typeface="Arial"/>
+                <a:cs typeface="Arial"/>
+                <a:sym typeface="Arial"/>
+              </a:defRPr>
+            </a:lvl4pPr>
+            <a:lvl5pPr marR="0" lvl="4" algn="l" rtl="0" eaLnBrk="0" fontAlgn="base" hangingPunct="0">
+              <a:lnSpc>
+                <a:spcPct val="100000"/>
+              </a:lnSpc>
+              <a:spcBef>
+                <a:spcPts val="0"/>
+              </a:spcBef>
+              <a:spcAft>
+                <a:spcPts val="0"/>
+              </a:spcAft>
+              <a:buClr>
+                <a:srgbClr val="000000"/>
+              </a:buClr>
+              <a:buSzPts val="2800"/>
+              <a:buFont typeface="Arial"/>
+              <a:buNone/>
+              <a:defRPr sz="1400" b="0" i="0" u="none" strike="noStrike" cap="none">
+                <a:solidFill>
+                  <a:srgbClr val="000000"/>
+                </a:solidFill>
+                <a:latin typeface="Arial"/>
+                <a:ea typeface="Arial"/>
+                <a:cs typeface="Arial"/>
+                <a:sym typeface="Arial"/>
+              </a:defRPr>
+            </a:lvl5pPr>
+            <a:lvl6pPr marR="0" lvl="5" algn="l" rtl="0">
+              <a:lnSpc>
+                <a:spcPct val="100000"/>
+              </a:lnSpc>
+              <a:spcBef>
+                <a:spcPts val="0"/>
+              </a:spcBef>
+              <a:spcAft>
+                <a:spcPts val="0"/>
+              </a:spcAft>
+              <a:buClr>
+                <a:srgbClr val="000000"/>
+              </a:buClr>
+              <a:buSzPts val="2800"/>
+              <a:buFont typeface="Arial"/>
+              <a:buNone/>
+              <a:defRPr sz="1400" b="0" i="0" u="none" strike="noStrike" cap="none">
+                <a:solidFill>
+                  <a:srgbClr val="000000"/>
+                </a:solidFill>
+                <a:latin typeface="Arial"/>
+                <a:ea typeface="Arial"/>
+                <a:cs typeface="Arial"/>
+                <a:sym typeface="Arial"/>
+              </a:defRPr>
+            </a:lvl6pPr>
+            <a:lvl7pPr marR="0" lvl="6" algn="l" rtl="0">
+              <a:lnSpc>
+                <a:spcPct val="100000"/>
+              </a:lnSpc>
+              <a:spcBef>
+                <a:spcPts val="0"/>
+              </a:spcBef>
+              <a:spcAft>
+                <a:spcPts val="0"/>
+              </a:spcAft>
+              <a:buClr>
+                <a:srgbClr val="000000"/>
+              </a:buClr>
+              <a:buSzPts val="2800"/>
+              <a:buFont typeface="Arial"/>
+              <a:buNone/>
+              <a:defRPr sz="1400" b="0" i="0" u="none" strike="noStrike" cap="none">
+                <a:solidFill>
+                  <a:srgbClr val="000000"/>
+                </a:solidFill>
+                <a:latin typeface="Arial"/>
+                <a:ea typeface="Arial"/>
+                <a:cs typeface="Arial"/>
+                <a:sym typeface="Arial"/>
+              </a:defRPr>
+            </a:lvl7pPr>
+            <a:lvl8pPr marR="0" lvl="7" algn="l" rtl="0">
+              <a:lnSpc>
+                <a:spcPct val="100000"/>
+              </a:lnSpc>
+              <a:spcBef>
+                <a:spcPts val="0"/>
+              </a:spcBef>
+              <a:spcAft>
+                <a:spcPts val="0"/>
+              </a:spcAft>
+              <a:buClr>
+                <a:srgbClr val="000000"/>
+              </a:buClr>
+              <a:buSzPts val="2800"/>
+              <a:buFont typeface="Arial"/>
+              <a:buNone/>
+              <a:defRPr sz="1400" b="0" i="0" u="none" strike="noStrike" cap="none">
+                <a:solidFill>
+                  <a:srgbClr val="000000"/>
+                </a:solidFill>
+                <a:latin typeface="Arial"/>
+                <a:ea typeface="Arial"/>
+                <a:cs typeface="Arial"/>
+                <a:sym typeface="Arial"/>
+              </a:defRPr>
+            </a:lvl8pPr>
+            <a:lvl9pPr marR="0" lvl="8" algn="l" rtl="0">
+              <a:lnSpc>
+                <a:spcPct val="100000"/>
+              </a:lnSpc>
+              <a:spcBef>
+                <a:spcPts val="0"/>
+              </a:spcBef>
+              <a:spcAft>
+                <a:spcPts val="0"/>
+              </a:spcAft>
+              <a:buClr>
+                <a:srgbClr val="000000"/>
+              </a:buClr>
+              <a:buSzPts val="2800"/>
+              <a:buFont typeface="Arial"/>
+              <a:buNone/>
+              <a:defRPr sz="1400" b="0" i="0" u="none" strike="noStrike" cap="none">
+                <a:solidFill>
+                  <a:srgbClr val="000000"/>
+                </a:solidFill>
+                <a:latin typeface="Arial"/>
+                <a:ea typeface="Arial"/>
+                <a:cs typeface="Arial"/>
+                <a:sym typeface="Arial"/>
+              </a:defRPr>
+            </a:lvl9pPr>
+          </a:lstStyle>
+          <a:p>
+            <a:pPr algn="ctr" eaLnBrk="1" hangingPunct="1"/>
+            <a:r>
+              <a:rPr lang="en-US" altLang="en-US" sz="2800" b="1" kern="0" dirty="0">
+                <a:solidFill>
+                  <a:srgbClr val="00B050"/>
+                </a:solidFill>
+                <a:latin typeface="Times New Roman" panose="02020603050405020304" pitchFamily="18" charset="0"/>
+                <a:ea typeface="Calibri" panose="020F0502020204030204" pitchFamily="34" charset="0"/>
+                <a:cs typeface="Times New Roman" panose="02020603050405020304" pitchFamily="18" charset="0"/>
+                <a:sym typeface="Calibri" panose="020F0502020204030204" pitchFamily="34" charset="0"/>
+              </a:rPr>
+              <a:t>PREDICTED OUTPUT</a:t>
+            </a:r>
+          </a:p>
+        </p:txBody>
+      </p:sp>
+      <p:pic>
+        <p:nvPicPr>
+          <p:cNvPr id="3" name="Picture 2">
+            <a:extLst>
+              <a:ext uri="{FF2B5EF4-FFF2-40B4-BE49-F238E27FC236}">
+                <a16:creationId xmlns:a16="http://schemas.microsoft.com/office/drawing/2014/main" id="{0E06EC3E-0F29-2194-AC63-3A47EB8ECC0B}"/>
+              </a:ext>
+            </a:extLst>
+          </p:cNvPr>
+          <p:cNvPicPr>
+            <a:picLocks noChangeAspect="1"/>
+          </p:cNvPicPr>
+          <p:nvPr/>
+        </p:nvPicPr>
+        <p:blipFill>
+          <a:blip r:embed="rId2"/>
+          <a:stretch>
+            <a:fillRect/>
+          </a:stretch>
+        </p:blipFill>
+        <p:spPr>
+          <a:xfrm>
+            <a:off x="360218" y="1731818"/>
+            <a:ext cx="8423564" cy="4433455"/>
+          </a:xfrm>
+          <a:prstGeom prst="rect">
+            <a:avLst/>
+          </a:prstGeom>
+        </p:spPr>
+      </p:pic>
+    </p:spTree>
+    <p:extLst>
+      <p:ext uri="{BB962C8B-B14F-4D97-AF65-F5344CB8AC3E}">
+        <p14:creationId xmlns:p14="http://schemas.microsoft.com/office/powerpoint/2010/main" val="281953224"/>
+      </p:ext>
+    </p:extLst>
+  </p:cSld>
+  <p:clrMapOvr>
+    <a:masterClrMapping/>
+  </p:clrMapOvr>
+</p:sld>
+</file>
+
+<file path=ppt/slides/slide14.xml><?xml version="1.0" encoding="utf-8"?>
 <p:sld xmlns:a="http://schemas.openxmlformats.org/drawingml/2006/main" xmlns:r="http://schemas.openxmlformats.org/officeDocument/2006/relationships" xmlns:p="http://schemas.openxmlformats.org/presentationml/2006/main">
   <p:cSld>
     <p:bg>
@@ -14739,7 +15742,7 @@
 </p:sld>
 </file>
 
-<file path=ppt/slides/slide12.xml><?xml version="1.0" encoding="utf-8"?>
+<file path=ppt/slides/slide15.xml><?xml version="1.0" encoding="utf-8"?>
 <p:sld xmlns:a="http://schemas.openxmlformats.org/drawingml/2006/main" xmlns:r="http://schemas.openxmlformats.org/officeDocument/2006/relationships" xmlns:p="http://schemas.openxmlformats.org/presentationml/2006/main">
   <p:cSld>
     <p:bg>
@@ -16133,7 +17136,7 @@
 </p:sld>
 </file>
 
-<file path=ppt/slides/slide13.xml><?xml version="1.0" encoding="utf-8"?>
+<file path=ppt/slides/slide16.xml><?xml version="1.0" encoding="utf-8"?>
 <p:sld xmlns:a="http://schemas.openxmlformats.org/drawingml/2006/main" xmlns:r="http://schemas.openxmlformats.org/officeDocument/2006/relationships" xmlns:p="http://schemas.openxmlformats.org/presentationml/2006/main">
   <p:cSld>
     <p:bg>
@@ -17539,7 +18542,7 @@
 </p:sld>
 </file>
 
-<file path=ppt/slides/slide14.xml><?xml version="1.0" encoding="utf-8"?>
+<file path=ppt/slides/slide17.xml><?xml version="1.0" encoding="utf-8"?>
 <p:sld xmlns:a="http://schemas.openxmlformats.org/drawingml/2006/main" xmlns:r="http://schemas.openxmlformats.org/officeDocument/2006/relationships" xmlns:p="http://schemas.openxmlformats.org/presentationml/2006/main">
   <p:cSld>
     <p:bg>
@@ -20465,7 +21468,7 @@
         <p:spPr>
           <a:xfrm>
             <a:off x="389808" y="1732920"/>
-            <a:ext cx="8377083" cy="3862596"/>
+            <a:ext cx="8377083" cy="3108543"/>
           </a:xfrm>
           <a:prstGeom prst="rect">
             <a:avLst/>
@@ -20522,7 +21525,7 @@
                 <a:latin typeface="Times New Roman" panose="02020603050405020304" pitchFamily="18" charset="0"/>
                 <a:cs typeface="Times New Roman" panose="02020603050405020304" pitchFamily="18" charset="0"/>
               </a:rPr>
-              <a:t>Accurate order forecasting and dynamic BE forecasts.</a:t>
+              <a:t>Accurate order forecasting and dynamic Bull-Whip (BE) forecasts.</a:t>
             </a:r>
           </a:p>
           <a:p>
@@ -20555,22 +21558,6 @@
                 <a:cs typeface="Times New Roman" panose="02020603050405020304" pitchFamily="18" charset="0"/>
               </a:rPr>
               <a:t>Enable the organization to estimate the future quantity and quality of people required for material production.</a:t>
-            </a:r>
-          </a:p>
-          <a:p>
-            <a:pPr marL="457200" indent="-457200">
-              <a:spcAft>
-                <a:spcPts val="600"/>
-              </a:spcAft>
-              <a:buFont typeface="Wingdings" panose="05000000000000000000" pitchFamily="2" charset="2"/>
-              <a:buChar char="v"/>
-            </a:pPr>
-            <a:r>
-              <a:rPr lang="en-IN" sz="2200" dirty="0">
-                <a:latin typeface="Times New Roman" panose="02020603050405020304" pitchFamily="18" charset="0"/>
-                <a:cs typeface="Times New Roman" panose="02020603050405020304" pitchFamily="18" charset="0"/>
-              </a:rPr>
-              <a:t>Sales strategy which is faced by retailers can be done using power pricing policy.</a:t>
             </a:r>
           </a:p>
         </p:txBody>
@@ -21055,7 +22042,7 @@
         <p:spPr bwMode="auto">
           <a:xfrm>
             <a:off x="317241" y="1647825"/>
-            <a:ext cx="8436233" cy="846386"/>
+            <a:ext cx="8436233" cy="1261884"/>
           </a:xfrm>
           <a:prstGeom prst="rect">
             <a:avLst/>
@@ -21249,11 +22236,18 @@
               <a:buChar char="ü"/>
             </a:pPr>
             <a:r>
+              <a:rPr lang="en-US" altLang="en-US" sz="2200" dirty="0" err="1">
+                <a:latin typeface="Times New Roman" panose="02020603050405020304" pitchFamily="18" charset="0"/>
+                <a:cs typeface="Times New Roman" panose="02020603050405020304" pitchFamily="18" charset="0"/>
+              </a:rPr>
+              <a:t>Regresssion</a:t>
+            </a:r>
+            <a:r>
               <a:rPr lang="en-US" altLang="en-US" sz="2200" dirty="0">
                 <a:latin typeface="Times New Roman" panose="02020603050405020304" pitchFamily="18" charset="0"/>
                 <a:cs typeface="Times New Roman" panose="02020603050405020304" pitchFamily="18" charset="0"/>
               </a:rPr>
-              <a:t>It uses CNN – LSTM model to forecast the product demand.</a:t>
+              <a:t> Analysis.</a:t>
             </a:r>
           </a:p>
           <a:p>
@@ -21269,7 +22263,23 @@
                 <a:latin typeface="Times New Roman" panose="02020603050405020304" pitchFamily="18" charset="0"/>
                 <a:cs typeface="Times New Roman" panose="02020603050405020304" pitchFamily="18" charset="0"/>
               </a:rPr>
-              <a:t>It will work only for the passed input data.</a:t>
+              <a:t>Qualitative methods.</a:t>
+            </a:r>
+          </a:p>
+          <a:p>
+            <a:pPr marL="342900" indent="-342900" eaLnBrk="1" hangingPunct="1">
+              <a:spcAft>
+                <a:spcPts val="600"/>
+              </a:spcAft>
+              <a:buFont typeface="Wingdings" panose="05000000000000000000" pitchFamily="2" charset="2"/>
+              <a:buChar char="ü"/>
+            </a:pPr>
+            <a:r>
+              <a:rPr lang="en-US" altLang="en-US" sz="2200" dirty="0">
+                <a:latin typeface="Times New Roman" panose="02020603050405020304" pitchFamily="18" charset="0"/>
+                <a:cs typeface="Times New Roman" panose="02020603050405020304" pitchFamily="18" charset="0"/>
+              </a:rPr>
+              <a:t>It uses CNN – LSTM model to forecast product demand.</a:t>
             </a:r>
           </a:p>
         </p:txBody>
@@ -21506,7 +22516,7 @@
         </p:nvSpPr>
         <p:spPr bwMode="auto">
           <a:xfrm>
-            <a:off x="317241" y="2682941"/>
+            <a:off x="317239" y="3273650"/>
             <a:ext cx="8436233" cy="438149"/>
           </a:xfrm>
           <a:prstGeom prst="rect">
@@ -21720,8 +22730,8 @@
         </p:nvSpPr>
         <p:spPr>
           <a:xfrm>
-            <a:off x="317241" y="3594349"/>
-            <a:ext cx="8436233" cy="2015936"/>
+            <a:off x="317239" y="4374220"/>
+            <a:ext cx="8436233" cy="1261884"/>
           </a:xfrm>
           <a:prstGeom prst="rect">
             <a:avLst/>
@@ -21746,7 +22756,7 @@
                 <a:latin typeface="Times New Roman" panose="02020603050405020304" pitchFamily="18" charset="0"/>
                 <a:cs typeface="Times New Roman" panose="02020603050405020304" pitchFamily="18" charset="0"/>
               </a:rPr>
-              <a:t>Inefficient forecasted data</a:t>
+              <a:t>Inability to handle outliers.</a:t>
             </a:r>
           </a:p>
           <a:p>
@@ -21762,7 +22772,7 @@
                 <a:latin typeface="Times New Roman" panose="02020603050405020304" pitchFamily="18" charset="0"/>
                 <a:cs typeface="Times New Roman" panose="02020603050405020304" pitchFamily="18" charset="0"/>
               </a:rPr>
-              <a:t>Failed to reduce the accuracy of the bullwhip effect. </a:t>
+              <a:t>Cannot adapt to changing market conditions.</a:t>
             </a:r>
           </a:p>
           <a:p>
@@ -21778,23 +22788,7 @@
                 <a:latin typeface="Times New Roman" panose="02020603050405020304" pitchFamily="18" charset="0"/>
                 <a:cs typeface="Times New Roman" panose="02020603050405020304" pitchFamily="18" charset="0"/>
               </a:rPr>
-              <a:t>Information sharing in the supply chain is not effective.</a:t>
-            </a:r>
-          </a:p>
-          <a:p>
-            <a:pPr marL="342900" indent="-342900">
-              <a:spcAft>
-                <a:spcPts val="600"/>
-              </a:spcAft>
-              <a:buFont typeface="Wingdings" panose="05000000000000000000" pitchFamily="2" charset="2"/>
-              <a:buChar char="ü"/>
-            </a:pPr>
-            <a:r>
-              <a:rPr lang="en-US" sz="2200" dirty="0">
-                <a:latin typeface="Times New Roman" panose="02020603050405020304" pitchFamily="18" charset="0"/>
-                <a:cs typeface="Times New Roman" panose="02020603050405020304" pitchFamily="18" charset="0"/>
-              </a:rPr>
-              <a:t>Due to restrictive data flow customer demand information is not known through different supply chain partners.</a:t>
+              <a:t>Limited Scope: weather conditions, unexpected events. </a:t>
             </a:r>
           </a:p>
         </p:txBody>
@@ -22284,7 +23278,7 @@
         <p:spPr bwMode="auto">
           <a:xfrm>
             <a:off x="353883" y="2238375"/>
-            <a:ext cx="8436233" cy="2769989"/>
+            <a:ext cx="8436233" cy="2277547"/>
           </a:xfrm>
           <a:prstGeom prst="rect">
             <a:avLst/>
@@ -22514,37 +23508,8 @@
                 <a:latin typeface="Times New Roman" panose="02020603050405020304" pitchFamily="18" charset="0"/>
                 <a:cs typeface="Times New Roman" panose="02020603050405020304" pitchFamily="18" charset="0"/>
               </a:rPr>
-              <a:t>Reducing the bullwhip effect in the supply chain as much as possible.</a:t>
+              <a:t>Reducing at least one section of the bullwhip effect in the supply chain as much as possible.</a:t>
             </a:r>
-          </a:p>
-          <a:p>
-            <a:pPr marL="342900" indent="-342900" eaLnBrk="1" hangingPunct="1">
-              <a:spcAft>
-                <a:spcPts val="600"/>
-              </a:spcAft>
-              <a:buFont typeface="Wingdings" panose="05000000000000000000" pitchFamily="2" charset="2"/>
-              <a:buChar char="ü"/>
-            </a:pPr>
-            <a:r>
-              <a:rPr lang="en-US" altLang="en-US" sz="2200" dirty="0">
-                <a:latin typeface="Times New Roman" panose="02020603050405020304" pitchFamily="18" charset="0"/>
-                <a:cs typeface="Times New Roman" panose="02020603050405020304" pitchFamily="18" charset="0"/>
-              </a:rPr>
-              <a:t>Encouraging cross-border data flow for effective communication.</a:t>
-            </a:r>
-          </a:p>
-          <a:p>
-            <a:pPr marL="342900" indent="-342900" eaLnBrk="1" hangingPunct="1">
-              <a:spcAft>
-                <a:spcPts val="600"/>
-              </a:spcAft>
-              <a:buFont typeface="Wingdings" panose="05000000000000000000" pitchFamily="2" charset="2"/>
-              <a:buChar char="ü"/>
-            </a:pPr>
-            <a:endParaRPr lang="en-US" altLang="en-US" sz="2200" dirty="0">
-              <a:latin typeface="Times New Roman" panose="02020603050405020304" pitchFamily="18" charset="0"/>
-              <a:cs typeface="Times New Roman" panose="02020603050405020304" pitchFamily="18" charset="0"/>
-            </a:endParaRPr>
           </a:p>
         </p:txBody>
       </p:sp>
@@ -23807,7 +24772,7 @@
                 <a:latin typeface="Times New Roman" panose="02020603050405020304" pitchFamily="18" charset="0"/>
                 <a:cs typeface="Times New Roman" panose="02020603050405020304" pitchFamily="18" charset="0"/>
               </a:rPr>
-              <a:t>Solving the bullwhip effect in the supply chain network.</a:t>
+              <a:t>Reducing the bullwhip effect in the supply chain network.</a:t>
             </a:r>
           </a:p>
           <a:p>
@@ -24384,263 +25349,80 @@
                 <a:solidFill>
                   <a:srgbClr val="00B050"/>
                 </a:solidFill>
-                <a:latin typeface="Calibri" panose="020F0502020204030204" pitchFamily="34" charset="0"/>
+                <a:latin typeface="Times New Roman" panose="02020603050405020304" pitchFamily="18" charset="0"/>
                 <a:ea typeface="Calibri" panose="020F0502020204030204" pitchFamily="34" charset="0"/>
-                <a:cs typeface="Calibri" panose="020F0502020204030204" pitchFamily="34" charset="0"/>
+                <a:cs typeface="Times New Roman" panose="02020603050405020304" pitchFamily="18" charset="0"/>
                 <a:sym typeface="Calibri" panose="020F0502020204030204" pitchFamily="34" charset="0"/>
               </a:rPr>
-              <a:t>MODULES USED AND IT’S DESCRIPTION</a:t>
+              <a:t>DATA PREPROCESSING</a:t>
             </a:r>
           </a:p>
         </p:txBody>
       </p:sp>
-      <p:sp>
-        <p:nvSpPr>
-          <p:cNvPr id="3" name="Text Placeholder 2">
+      <p:pic>
+        <p:nvPicPr>
+          <p:cNvPr id="10" name="Picture 9">
             <a:extLst>
               <a:ext uri="{FF2B5EF4-FFF2-40B4-BE49-F238E27FC236}">
-                <a16:creationId xmlns:a16="http://schemas.microsoft.com/office/drawing/2014/main" id="{9B84CE1F-888F-B9FA-DF59-06B84167851F}"/>
+                <a16:creationId xmlns:a16="http://schemas.microsoft.com/office/drawing/2014/main" id="{B1A0EA7D-1B85-0C7A-5D2A-FBCDA4DE541A}"/>
               </a:ext>
             </a:extLst>
           </p:cNvPr>
-          <p:cNvSpPr>
-            <a:spLocks noGrp="1"/>
-          </p:cNvSpPr>
-          <p:nvPr>
-            <p:ph type="body" idx="1"/>
-          </p:nvPr>
-        </p:nvSpPr>
+          <p:cNvPicPr>
+            <a:picLocks noChangeAspect="1"/>
+          </p:cNvPicPr>
+          <p:nvPr/>
+        </p:nvPicPr>
+        <p:blipFill>
+          <a:blip r:embed="rId2"/>
+          <a:stretch>
+            <a:fillRect/>
+          </a:stretch>
+        </p:blipFill>
         <p:spPr>
           <a:xfrm>
-            <a:off x="311700" y="1704109"/>
-            <a:ext cx="8520600" cy="4387724"/>
+            <a:off x="472353" y="1898072"/>
+            <a:ext cx="3822555" cy="3976256"/>
           </a:xfrm>
+          <a:prstGeom prst="rect">
+            <a:avLst/>
+          </a:prstGeom>
         </p:spPr>
-        <p:txBody>
-          <a:bodyPr/>
-          <a:lstStyle/>
-          <a:p>
-            <a:pPr>
-              <a:buFont typeface="Wingdings" panose="05000000000000000000" pitchFamily="2" charset="2"/>
-              <a:buChar char="Ø"/>
-            </a:pPr>
-            <a:r>
-              <a:rPr lang="en-GB" sz="2200" b="1" dirty="0">
-                <a:latin typeface="Times New Roman" panose="02020603050405020304" pitchFamily="18" charset="0"/>
-                <a:cs typeface="Times New Roman" panose="02020603050405020304" pitchFamily="18" charset="0"/>
-              </a:rPr>
-              <a:t>Pandas - </a:t>
-            </a:r>
-            <a:r>
-              <a:rPr lang="en-GB" sz="2200" b="0" i="0" dirty="0">
-                <a:solidFill>
-                  <a:srgbClr val="202124"/>
-                </a:solidFill>
-                <a:effectLst/>
-                <a:latin typeface="Times New Roman" panose="02020603050405020304" pitchFamily="18" charset="0"/>
-                <a:cs typeface="Times New Roman" panose="02020603050405020304" pitchFamily="18" charset="0"/>
-              </a:rPr>
-              <a:t>Pandas is </a:t>
-            </a:r>
-            <a:r>
-              <a:rPr lang="en-GB" sz="2200" i="0" dirty="0">
-                <a:solidFill>
-                  <a:srgbClr val="202124"/>
-                </a:solidFill>
-                <a:effectLst/>
-                <a:latin typeface="Times New Roman" panose="02020603050405020304" pitchFamily="18" charset="0"/>
-                <a:cs typeface="Times New Roman" panose="02020603050405020304" pitchFamily="18" charset="0"/>
-              </a:rPr>
-              <a:t>a Python library used for working with data sets</a:t>
-            </a:r>
-            <a:r>
-              <a:rPr lang="en-GB" sz="2200" b="0" i="0" dirty="0">
-                <a:solidFill>
-                  <a:srgbClr val="202124"/>
-                </a:solidFill>
-                <a:effectLst/>
-                <a:latin typeface="Times New Roman" panose="02020603050405020304" pitchFamily="18" charset="0"/>
-                <a:cs typeface="Times New Roman" panose="02020603050405020304" pitchFamily="18" charset="0"/>
-              </a:rPr>
-              <a:t>. It has functions for </a:t>
-            </a:r>
-            <a:r>
-              <a:rPr lang="en-GB" sz="2200" b="0" i="0" dirty="0" err="1">
-                <a:solidFill>
-                  <a:srgbClr val="202124"/>
-                </a:solidFill>
-                <a:effectLst/>
-                <a:latin typeface="Times New Roman" panose="02020603050405020304" pitchFamily="18" charset="0"/>
-                <a:cs typeface="Times New Roman" panose="02020603050405020304" pitchFamily="18" charset="0"/>
-              </a:rPr>
-              <a:t>analyzing</a:t>
-            </a:r>
-            <a:r>
-              <a:rPr lang="en-GB" sz="2200" b="0" i="0" dirty="0">
-                <a:solidFill>
-                  <a:srgbClr val="202124"/>
-                </a:solidFill>
-                <a:effectLst/>
-                <a:latin typeface="Times New Roman" panose="02020603050405020304" pitchFamily="18" charset="0"/>
-                <a:cs typeface="Times New Roman" panose="02020603050405020304" pitchFamily="18" charset="0"/>
-              </a:rPr>
-              <a:t>, cleaning, exploring, and manipulating data.</a:t>
-            </a:r>
-          </a:p>
-          <a:p>
-            <a:pPr>
-              <a:buFont typeface="Wingdings" panose="05000000000000000000" pitchFamily="2" charset="2"/>
-              <a:buChar char="Ø"/>
-            </a:pPr>
-            <a:r>
-              <a:rPr lang="en-GB" sz="2200" b="1" dirty="0">
-                <a:solidFill>
-                  <a:srgbClr val="202124"/>
-                </a:solidFill>
-                <a:latin typeface="Times New Roman" panose="02020603050405020304" pitchFamily="18" charset="0"/>
-                <a:cs typeface="Times New Roman" panose="02020603050405020304" pitchFamily="18" charset="0"/>
-              </a:rPr>
-              <a:t>NumPy - </a:t>
-            </a:r>
-            <a:r>
-              <a:rPr lang="en-GB" sz="2200" b="0" i="0" dirty="0">
-                <a:solidFill>
-                  <a:srgbClr val="202124"/>
-                </a:solidFill>
-                <a:effectLst/>
-                <a:latin typeface="Times New Roman" panose="02020603050405020304" pitchFamily="18" charset="0"/>
-                <a:cs typeface="Times New Roman" panose="02020603050405020304" pitchFamily="18" charset="0"/>
-              </a:rPr>
-              <a:t>NumPy is a Python library used for </a:t>
-            </a:r>
-            <a:r>
-              <a:rPr lang="en-GB" sz="2200" i="0" dirty="0">
-                <a:solidFill>
-                  <a:srgbClr val="202124"/>
-                </a:solidFill>
-                <a:effectLst/>
-                <a:latin typeface="Times New Roman" panose="02020603050405020304" pitchFamily="18" charset="0"/>
-                <a:cs typeface="Times New Roman" panose="02020603050405020304" pitchFamily="18" charset="0"/>
-              </a:rPr>
-              <a:t>working with arrays</a:t>
-            </a:r>
-            <a:r>
-              <a:rPr lang="en-GB" sz="2200" b="0" i="0" dirty="0">
-                <a:solidFill>
-                  <a:srgbClr val="202124"/>
-                </a:solidFill>
-                <a:effectLst/>
-                <a:latin typeface="Times New Roman" panose="02020603050405020304" pitchFamily="18" charset="0"/>
-                <a:cs typeface="Times New Roman" panose="02020603050405020304" pitchFamily="18" charset="0"/>
-              </a:rPr>
-              <a:t>. It also has functions for working in the domain of linear algebra, Fourier transform, and matrices.</a:t>
-            </a:r>
-          </a:p>
-          <a:p>
-            <a:pPr>
-              <a:buFont typeface="Wingdings" panose="05000000000000000000" pitchFamily="2" charset="2"/>
-              <a:buChar char="Ø"/>
-            </a:pPr>
-            <a:r>
-              <a:rPr lang="en-US" sz="2200" b="1" dirty="0">
-                <a:latin typeface="Times New Roman" panose="02020603050405020304" pitchFamily="18" charset="0"/>
-                <a:cs typeface="Times New Roman" panose="02020603050405020304" pitchFamily="18" charset="0"/>
-              </a:rPr>
-              <a:t>Matplotlib - </a:t>
-            </a:r>
-            <a:r>
-              <a:rPr lang="en-GB" sz="2200" b="0" i="0" dirty="0">
-                <a:solidFill>
-                  <a:srgbClr val="202124"/>
-                </a:solidFill>
-                <a:effectLst/>
-                <a:latin typeface="Times New Roman" panose="02020603050405020304" pitchFamily="18" charset="0"/>
-                <a:cs typeface="Times New Roman" panose="02020603050405020304" pitchFamily="18" charset="0"/>
-              </a:rPr>
-              <a:t>Matplotlib is a comprehensive library for </a:t>
-            </a:r>
-            <a:r>
-              <a:rPr lang="en-GB" sz="2200" i="0" dirty="0">
-                <a:solidFill>
-                  <a:srgbClr val="202124"/>
-                </a:solidFill>
-                <a:effectLst/>
-                <a:latin typeface="Times New Roman" panose="02020603050405020304" pitchFamily="18" charset="0"/>
-                <a:cs typeface="Times New Roman" panose="02020603050405020304" pitchFamily="18" charset="0"/>
-              </a:rPr>
-              <a:t>creating static, animated, and interactive visualizations in Python</a:t>
-            </a:r>
-            <a:r>
-              <a:rPr lang="en-GB" sz="2200" b="0" i="0" dirty="0">
-                <a:solidFill>
-                  <a:srgbClr val="202124"/>
-                </a:solidFill>
-                <a:effectLst/>
-                <a:latin typeface="Times New Roman" panose="02020603050405020304" pitchFamily="18" charset="0"/>
-                <a:cs typeface="Times New Roman" panose="02020603050405020304" pitchFamily="18" charset="0"/>
-              </a:rPr>
-              <a:t>.</a:t>
-            </a:r>
-          </a:p>
-          <a:p>
-            <a:pPr>
-              <a:buFont typeface="Wingdings" panose="05000000000000000000" pitchFamily="2" charset="2"/>
-              <a:buChar char="Ø"/>
-            </a:pPr>
-            <a:r>
-              <a:rPr lang="en-GB" sz="2200" b="1" dirty="0">
-                <a:solidFill>
-                  <a:srgbClr val="202124"/>
-                </a:solidFill>
-                <a:latin typeface="Times New Roman" panose="02020603050405020304" pitchFamily="18" charset="0"/>
-                <a:cs typeface="Times New Roman" panose="02020603050405020304" pitchFamily="18" charset="0"/>
-              </a:rPr>
-              <a:t>Seaborn - </a:t>
-            </a:r>
-            <a:r>
-              <a:rPr lang="en-GB" sz="2200" i="0" dirty="0">
-                <a:solidFill>
-                  <a:srgbClr val="202124"/>
-                </a:solidFill>
-                <a:effectLst/>
-                <a:latin typeface="Times New Roman" panose="02020603050405020304" pitchFamily="18" charset="0"/>
-                <a:cs typeface="Times New Roman" panose="02020603050405020304" pitchFamily="18" charset="0"/>
-              </a:rPr>
-              <a:t>Seaborn is the extended version of Matplotlib, which uses Matplotlib, </a:t>
-            </a:r>
-            <a:r>
-              <a:rPr lang="en-GB" sz="2200" i="0" dirty="0" err="1">
-                <a:solidFill>
-                  <a:srgbClr val="202124"/>
-                </a:solidFill>
-                <a:effectLst/>
-                <a:latin typeface="Times New Roman" panose="02020603050405020304" pitchFamily="18" charset="0"/>
-                <a:cs typeface="Times New Roman" panose="02020603050405020304" pitchFamily="18" charset="0"/>
-              </a:rPr>
-              <a:t>Numpy</a:t>
-            </a:r>
-            <a:r>
-              <a:rPr lang="en-GB" sz="2200" i="0" dirty="0">
-                <a:solidFill>
-                  <a:srgbClr val="202124"/>
-                </a:solidFill>
-                <a:effectLst/>
-                <a:latin typeface="Times New Roman" panose="02020603050405020304" pitchFamily="18" charset="0"/>
-                <a:cs typeface="Times New Roman" panose="02020603050405020304" pitchFamily="18" charset="0"/>
-              </a:rPr>
-              <a:t>, and Pandas to plot graphs.</a:t>
-            </a:r>
-            <a:endParaRPr lang="en-US" sz="2200" dirty="0">
-              <a:latin typeface="Times New Roman" panose="02020603050405020304" pitchFamily="18" charset="0"/>
-              <a:cs typeface="Times New Roman" panose="02020603050405020304" pitchFamily="18" charset="0"/>
-            </a:endParaRPr>
-          </a:p>
-        </p:txBody>
-      </p:sp>
+      </p:pic>
+      <p:pic>
+        <p:nvPicPr>
+          <p:cNvPr id="14" name="Picture 13">
+            <a:extLst>
+              <a:ext uri="{FF2B5EF4-FFF2-40B4-BE49-F238E27FC236}">
+                <a16:creationId xmlns:a16="http://schemas.microsoft.com/office/drawing/2014/main" id="{449E2D0E-2718-3247-1C84-CA7854A32453}"/>
+              </a:ext>
+            </a:extLst>
+          </p:cNvPr>
+          <p:cNvPicPr>
+            <a:picLocks noChangeAspect="1"/>
+          </p:cNvPicPr>
+          <p:nvPr/>
+        </p:nvPicPr>
+        <p:blipFill>
+          <a:blip r:embed="rId3"/>
+          <a:stretch>
+            <a:fillRect/>
+          </a:stretch>
+        </p:blipFill>
+        <p:spPr>
+          <a:xfrm>
+            <a:off x="4668982" y="1898072"/>
+            <a:ext cx="4100945" cy="3976255"/>
+          </a:xfrm>
+          <a:prstGeom prst="rect">
+            <a:avLst/>
+          </a:prstGeom>
+        </p:spPr>
+      </p:pic>
     </p:spTree>
     <p:extLst>
       <p:ext uri="{BB962C8B-B14F-4D97-AF65-F5344CB8AC3E}">
-        <p14:creationId xmlns:p14="http://schemas.microsoft.com/office/powerpoint/2010/main" val="1290906187"/>
+        <p14:creationId xmlns:p14="http://schemas.microsoft.com/office/powerpoint/2010/main" val="2972560255"/>
       </p:ext>
     </p:extLst>
   </p:cSld>

--- a/FINAL_YEAR_PROJECT_PPT.pptx
+++ b/FINAL_YEAR_PROJECT_PPT.pptx
@@ -12917,7 +12917,7 @@
         </p:nvSpPr>
         <p:spPr>
           <a:xfrm>
-            <a:off x="4433888" y="4640640"/>
+            <a:off x="4433888" y="4444658"/>
             <a:ext cx="4458185" cy="615553"/>
           </a:xfrm>
           <a:prstGeom prst="rect">

--- a/FINAL_YEAR_PROJECT_PPT.pptx
+++ b/FINAL_YEAR_PROJECT_PPT.pptx
@@ -13205,42 +13205,14 @@
             </a:lvl9pPr>
           </a:lstStyle>
           <a:p>
-            <a:pPr marL="0" marR="0" lvl="0" indent="0" algn="l" defTabSz="914400" rtl="0" eaLnBrk="1" fontAlgn="base" latinLnBrk="0" hangingPunct="1">
-              <a:lnSpc>
-                <a:spcPct val="100000"/>
-              </a:lnSpc>
-              <a:spcBef>
-                <a:spcPct val="0"/>
-              </a:spcBef>
-              <a:spcAft>
-                <a:spcPct val="0"/>
-              </a:spcAft>
-              <a:buClr>
-                <a:srgbClr val="000000"/>
-              </a:buClr>
-              <a:buSzTx/>
-              <a:buFont typeface="Arial" panose="020B0604020202020204" pitchFamily="34" charset="0"/>
-              <a:buNone/>
-              <a:tabLst/>
-              <a:defRPr/>
-            </a:pPr>
+            <a:pPr eaLnBrk="1" hangingPunct="1"/>
             <a:r>
-              <a:rPr kumimoji="0" lang="en-US" altLang="en-US" sz="1400" b="1" i="0" u="none" strike="noStrike" kern="1200" cap="none" spc="0" normalizeH="0" baseline="0" noProof="0" dirty="0">
-                <a:ln>
-                  <a:noFill/>
-                </a:ln>
+              <a:rPr lang="en-US" altLang="en-US" b="1" dirty="0">
                 <a:solidFill>
                   <a:srgbClr val="595959"/>
                 </a:solidFill>
-                <a:effectLst/>
-                <a:uLnTx/>
-                <a:uFillTx/>
-                <a:latin typeface="Arial" panose="020B0604020202020204" pitchFamily="34" charset="0"/>
-                <a:ea typeface="+mn-ea"/>
-                <a:cs typeface="Arial" panose="020B0604020202020204" pitchFamily="34" charset="0"/>
-                <a:sym typeface="Arial" panose="020B0604020202020204" pitchFamily="34" charset="0"/>
               </a:rPr>
-              <a:t>MAJOR PROJECT – FINAL REVIEW</a:t>
+              <a:t>MAJOR PROJECT - FINAL REVIEW</a:t>
             </a:r>
           </a:p>
         </p:txBody>
@@ -14497,42 +14469,14 @@
             </a:lvl9pPr>
           </a:lstStyle>
           <a:p>
-            <a:pPr marL="0" marR="0" lvl="0" indent="0" algn="l" defTabSz="914400" rtl="0" eaLnBrk="1" fontAlgn="base" latinLnBrk="0" hangingPunct="1">
-              <a:lnSpc>
-                <a:spcPct val="100000"/>
-              </a:lnSpc>
-              <a:spcBef>
-                <a:spcPct val="0"/>
-              </a:spcBef>
-              <a:spcAft>
-                <a:spcPct val="0"/>
-              </a:spcAft>
-              <a:buClr>
-                <a:srgbClr val="000000"/>
-              </a:buClr>
-              <a:buSzTx/>
-              <a:buFont typeface="Arial" panose="020B0604020202020204" pitchFamily="34" charset="0"/>
-              <a:buNone/>
-              <a:tabLst/>
-              <a:defRPr/>
-            </a:pPr>
+            <a:pPr eaLnBrk="1" hangingPunct="1"/>
             <a:r>
-              <a:rPr kumimoji="0" lang="en-US" altLang="en-US" sz="1400" b="1" i="0" u="none" strike="noStrike" kern="1200" cap="none" spc="0" normalizeH="0" baseline="0" noProof="0" dirty="0">
-                <a:ln>
-                  <a:noFill/>
-                </a:ln>
+              <a:rPr lang="en-US" altLang="en-US" b="1" dirty="0">
                 <a:solidFill>
                   <a:srgbClr val="595959"/>
                 </a:solidFill>
-                <a:effectLst/>
-                <a:uLnTx/>
-                <a:uFillTx/>
-                <a:latin typeface="Arial" panose="020B0604020202020204" pitchFamily="34" charset="0"/>
-                <a:ea typeface="+mn-ea"/>
-                <a:cs typeface="Arial" panose="020B0604020202020204" pitchFamily="34" charset="0"/>
-                <a:sym typeface="Arial" panose="020B0604020202020204" pitchFamily="34" charset="0"/>
               </a:rPr>
-              <a:t>MAJOR PROJECT – FINAL REVIEW</a:t>
+              <a:t>MAJOR PROJECT - FINAL REVIEW</a:t>
             </a:r>
           </a:p>
         </p:txBody>
@@ -15826,42 +15770,14 @@
             </a:lvl9pPr>
           </a:lstStyle>
           <a:p>
-            <a:pPr marL="0" marR="0" lvl="0" indent="0" algn="l" defTabSz="914400" rtl="0" eaLnBrk="1" fontAlgn="base" latinLnBrk="0" hangingPunct="1">
-              <a:lnSpc>
-                <a:spcPct val="100000"/>
-              </a:lnSpc>
-              <a:spcBef>
-                <a:spcPct val="0"/>
-              </a:spcBef>
-              <a:spcAft>
-                <a:spcPct val="0"/>
-              </a:spcAft>
-              <a:buClr>
-                <a:srgbClr val="000000"/>
-              </a:buClr>
-              <a:buSzTx/>
-              <a:buFont typeface="Arial" panose="020B0604020202020204" pitchFamily="34" charset="0"/>
-              <a:buNone/>
-              <a:tabLst/>
-              <a:defRPr/>
-            </a:pPr>
+            <a:pPr eaLnBrk="1" hangingPunct="1"/>
             <a:r>
-              <a:rPr kumimoji="0" lang="en-US" altLang="en-US" sz="1400" b="1" i="0" u="none" strike="noStrike" kern="1200" cap="none" spc="0" normalizeH="0" baseline="0" noProof="0" dirty="0">
-                <a:ln>
-                  <a:noFill/>
-                </a:ln>
+              <a:rPr lang="en-US" altLang="en-US" b="1" dirty="0">
                 <a:solidFill>
                   <a:srgbClr val="595959"/>
                 </a:solidFill>
-                <a:effectLst/>
-                <a:uLnTx/>
-                <a:uFillTx/>
-                <a:latin typeface="Arial" panose="020B0604020202020204" pitchFamily="34" charset="0"/>
-                <a:ea typeface="+mn-ea"/>
-                <a:cs typeface="Arial" panose="020B0604020202020204" pitchFamily="34" charset="0"/>
-                <a:sym typeface="Arial" panose="020B0604020202020204" pitchFamily="34" charset="0"/>
               </a:rPr>
-              <a:t>MAJOR PROJECT – FINAL REVIEW</a:t>
+              <a:t>MAJOR PROJECT - FINAL REVIEW</a:t>
             </a:r>
           </a:p>
         </p:txBody>
@@ -16621,42 +16537,14 @@
             </a:lvl9pPr>
           </a:lstStyle>
           <a:p>
-            <a:pPr marL="0" marR="0" lvl="0" indent="0" algn="l" defTabSz="914400" rtl="0" eaLnBrk="1" fontAlgn="base" latinLnBrk="0" hangingPunct="1">
-              <a:lnSpc>
-                <a:spcPct val="100000"/>
-              </a:lnSpc>
-              <a:spcBef>
-                <a:spcPct val="0"/>
-              </a:spcBef>
-              <a:spcAft>
-                <a:spcPct val="0"/>
-              </a:spcAft>
-              <a:buClr>
-                <a:srgbClr val="000000"/>
-              </a:buClr>
-              <a:buSzTx/>
-              <a:buFont typeface="Arial" panose="020B0604020202020204" pitchFamily="34" charset="0"/>
-              <a:buNone/>
-              <a:tabLst/>
-              <a:defRPr/>
-            </a:pPr>
+            <a:pPr eaLnBrk="1" hangingPunct="1"/>
             <a:r>
-              <a:rPr kumimoji="0" lang="en-US" altLang="en-US" sz="1400" b="1" i="0" u="none" strike="noStrike" kern="1200" cap="none" spc="0" normalizeH="0" baseline="0" noProof="0" dirty="0">
-                <a:ln>
-                  <a:noFill/>
-                </a:ln>
+              <a:rPr lang="en-US" altLang="en-US" b="1" dirty="0">
                 <a:solidFill>
                   <a:srgbClr val="595959"/>
                 </a:solidFill>
-                <a:effectLst/>
-                <a:uLnTx/>
-                <a:uFillTx/>
-                <a:latin typeface="Arial" panose="020B0604020202020204" pitchFamily="34" charset="0"/>
-                <a:ea typeface="+mn-ea"/>
-                <a:cs typeface="Arial" panose="020B0604020202020204" pitchFamily="34" charset="0"/>
-                <a:sym typeface="Arial" panose="020B0604020202020204" pitchFamily="34" charset="0"/>
               </a:rPr>
-              <a:t>MAJOR PROJECT – FINAL REVIEW</a:t>
+              <a:t>MAJOR PROJECT - FINAL REVIEW</a:t>
             </a:r>
           </a:p>
         </p:txBody>
@@ -17416,42 +17304,14 @@
             </a:lvl9pPr>
           </a:lstStyle>
           <a:p>
-            <a:pPr marL="0" marR="0" lvl="0" indent="0" algn="l" defTabSz="914400" rtl="0" eaLnBrk="1" fontAlgn="base" latinLnBrk="0" hangingPunct="1">
-              <a:lnSpc>
-                <a:spcPct val="100000"/>
-              </a:lnSpc>
-              <a:spcBef>
-                <a:spcPct val="0"/>
-              </a:spcBef>
-              <a:spcAft>
-                <a:spcPct val="0"/>
-              </a:spcAft>
-              <a:buClr>
-                <a:srgbClr val="000000"/>
-              </a:buClr>
-              <a:buSzTx/>
-              <a:buFont typeface="Arial" panose="020B0604020202020204" pitchFamily="34" charset="0"/>
-              <a:buNone/>
-              <a:tabLst/>
-              <a:defRPr/>
-            </a:pPr>
+            <a:pPr eaLnBrk="1" hangingPunct="1"/>
             <a:r>
-              <a:rPr kumimoji="0" lang="en-US" altLang="en-US" sz="1400" b="1" i="0" u="none" strike="noStrike" kern="1200" cap="none" spc="0" normalizeH="0" baseline="0" noProof="0" dirty="0">
-                <a:ln>
-                  <a:noFill/>
-                </a:ln>
+              <a:rPr lang="en-US" altLang="en-US" b="1" dirty="0">
                 <a:solidFill>
                   <a:srgbClr val="595959"/>
                 </a:solidFill>
-                <a:effectLst/>
-                <a:uLnTx/>
-                <a:uFillTx/>
-                <a:latin typeface="Arial" panose="020B0604020202020204" pitchFamily="34" charset="0"/>
-                <a:ea typeface="+mn-ea"/>
-                <a:cs typeface="Arial" panose="020B0604020202020204" pitchFamily="34" charset="0"/>
-                <a:sym typeface="Arial" panose="020B0604020202020204" pitchFamily="34" charset="0"/>
               </a:rPr>
-              <a:t>MAJOR PROJECT – FINAL REVIEW</a:t>
+              <a:t>MAJOR PROJECT - FINAL REVIEW</a:t>
             </a:r>
           </a:p>
         </p:txBody>
@@ -18218,7 +18078,7 @@
                   <a:srgbClr val="595959"/>
                 </a:solidFill>
               </a:rPr>
-              <a:t>MAJOR PROJECT – FINAL REVIEW</a:t>
+              <a:t>MAJOR PROJECT - FINAL REVIEW</a:t>
             </a:r>
           </a:p>
         </p:txBody>
@@ -19296,7 +19156,7 @@
                   <a:srgbClr val="595959"/>
                 </a:solidFill>
               </a:rPr>
-              <a:t>MAJOR PROJECT – FINAL REVIEW</a:t>
+              <a:t>MAJOR PROJECT - FINAL REVIEW</a:t>
             </a:r>
           </a:p>
         </p:txBody>
@@ -20690,7 +20550,7 @@
                   <a:srgbClr val="595959"/>
                 </a:solidFill>
               </a:rPr>
-              <a:t>MAJOR PROJECT – FINAL REVIEW</a:t>
+              <a:t>MAJOR PROJECT - FINAL REVIEW</a:t>
             </a:r>
           </a:p>
         </p:txBody>
@@ -22781,7 +22641,7 @@
                   <a:srgbClr val="595959"/>
                 </a:solidFill>
               </a:rPr>
-              <a:t>MAJOR PROJECT – FINAL REVIEW</a:t>
+              <a:t>MAJOR PROJECT - FINAL REVIEW</a:t>
             </a:r>
           </a:p>
         </p:txBody>
@@ -23815,7 +23675,7 @@
                   <a:srgbClr val="595959"/>
                 </a:solidFill>
               </a:rPr>
-              <a:t>MAJOR PROJECT – FINAL REVIEW</a:t>
+              <a:t>MAJOR PROJECT - FINAL REVIEW</a:t>
             </a:r>
           </a:p>
         </p:txBody>
@@ -24859,7 +24719,7 @@
                   <a:srgbClr val="595959"/>
                 </a:solidFill>
               </a:rPr>
-              <a:t>MAJOR PROJECT – FINAL REVIEW</a:t>
+              <a:t>MAJOR PROJECT - FINAL REVIEW</a:t>
             </a:r>
           </a:p>
         </p:txBody>
@@ -26095,7 +25955,7 @@
                   <a:srgbClr val="595959"/>
                 </a:solidFill>
               </a:rPr>
-              <a:t>MAJOR PROJECT – FINAL REVIEW</a:t>
+              <a:t>MAJOR PROJECT - FINAL REVIEW</a:t>
             </a:r>
           </a:p>
         </p:txBody>
@@ -27026,7 +26886,7 @@
                   <a:srgbClr val="595959"/>
                 </a:solidFill>
               </a:rPr>
-              <a:t>MAJOR PROJECT – FINAL REVIEW</a:t>
+              <a:t>MAJOR PROJECT - FINAL REVIEW</a:t>
             </a:r>
           </a:p>
         </p:txBody>
@@ -28125,42 +27985,14 @@
             </a:lvl9pPr>
           </a:lstStyle>
           <a:p>
-            <a:pPr marL="0" marR="0" lvl="0" indent="0" algn="l" defTabSz="914400" rtl="0" eaLnBrk="1" fontAlgn="base" latinLnBrk="0" hangingPunct="1">
-              <a:lnSpc>
-                <a:spcPct val="100000"/>
-              </a:lnSpc>
-              <a:spcBef>
-                <a:spcPct val="0"/>
-              </a:spcBef>
-              <a:spcAft>
-                <a:spcPct val="0"/>
-              </a:spcAft>
-              <a:buClr>
-                <a:srgbClr val="000000"/>
-              </a:buClr>
-              <a:buSzTx/>
-              <a:buFont typeface="Arial" panose="020B0604020202020204" pitchFamily="34" charset="0"/>
-              <a:buNone/>
-              <a:tabLst/>
-              <a:defRPr/>
-            </a:pPr>
+            <a:pPr eaLnBrk="1" hangingPunct="1"/>
             <a:r>
-              <a:rPr kumimoji="0" lang="en-US" altLang="en-US" sz="1400" b="1" i="0" u="none" strike="noStrike" kern="1200" cap="none" spc="0" normalizeH="0" baseline="0" noProof="0" dirty="0">
-                <a:ln>
-                  <a:noFill/>
-                </a:ln>
+              <a:rPr lang="en-US" altLang="en-US" b="1" dirty="0">
                 <a:solidFill>
                   <a:srgbClr val="595959"/>
                 </a:solidFill>
-                <a:effectLst/>
-                <a:uLnTx/>
-                <a:uFillTx/>
-                <a:latin typeface="Arial" panose="020B0604020202020204" pitchFamily="34" charset="0"/>
-                <a:ea typeface="+mn-ea"/>
-                <a:cs typeface="Arial" panose="020B0604020202020204" pitchFamily="34" charset="0"/>
-                <a:sym typeface="Arial" panose="020B0604020202020204" pitchFamily="34" charset="0"/>
               </a:rPr>
-              <a:t>MAJOR PROJECT – FINAL REVIEW</a:t>
+              <a:t>MAJOR PROJECT - FINAL REVIEW</a:t>
             </a:r>
           </a:p>
         </p:txBody>
@@ -29373,42 +29205,14 @@
             </a:lvl9pPr>
           </a:lstStyle>
           <a:p>
-            <a:pPr marL="0" marR="0" lvl="0" indent="0" algn="l" defTabSz="914400" rtl="0" eaLnBrk="1" fontAlgn="base" latinLnBrk="0" hangingPunct="1">
-              <a:lnSpc>
-                <a:spcPct val="100000"/>
-              </a:lnSpc>
-              <a:spcBef>
-                <a:spcPct val="0"/>
-              </a:spcBef>
-              <a:spcAft>
-                <a:spcPct val="0"/>
-              </a:spcAft>
-              <a:buClr>
-                <a:srgbClr val="000000"/>
-              </a:buClr>
-              <a:buSzTx/>
-              <a:buFont typeface="Arial" panose="020B0604020202020204" pitchFamily="34" charset="0"/>
-              <a:buNone/>
-              <a:tabLst/>
-              <a:defRPr/>
-            </a:pPr>
+            <a:pPr eaLnBrk="1" hangingPunct="1"/>
             <a:r>
-              <a:rPr kumimoji="0" lang="en-US" altLang="en-US" sz="1400" b="1" i="0" u="none" strike="noStrike" kern="1200" cap="none" spc="0" normalizeH="0" baseline="0" noProof="0" dirty="0">
-                <a:ln>
-                  <a:noFill/>
-                </a:ln>
+              <a:rPr lang="en-US" altLang="en-US" b="1" dirty="0">
                 <a:solidFill>
                   <a:srgbClr val="595959"/>
                 </a:solidFill>
-                <a:effectLst/>
-                <a:uLnTx/>
-                <a:uFillTx/>
-                <a:latin typeface="Arial" panose="020B0604020202020204" pitchFamily="34" charset="0"/>
-                <a:ea typeface="+mn-ea"/>
-                <a:cs typeface="Arial" panose="020B0604020202020204" pitchFamily="34" charset="0"/>
-                <a:sym typeface="Arial" panose="020B0604020202020204" pitchFamily="34" charset="0"/>
               </a:rPr>
-              <a:t>MAJOR PROJECT – FINAL REVIEW</a:t>
+              <a:t>MAJOR PROJECT - FINAL REVIEW</a:t>
             </a:r>
           </a:p>
         </p:txBody>
@@ -30621,42 +30425,14 @@
             </a:lvl9pPr>
           </a:lstStyle>
           <a:p>
-            <a:pPr marL="0" marR="0" lvl="0" indent="0" algn="l" defTabSz="914400" rtl="0" eaLnBrk="1" fontAlgn="base" latinLnBrk="0" hangingPunct="1">
-              <a:lnSpc>
-                <a:spcPct val="100000"/>
-              </a:lnSpc>
-              <a:spcBef>
-                <a:spcPct val="0"/>
-              </a:spcBef>
-              <a:spcAft>
-                <a:spcPct val="0"/>
-              </a:spcAft>
-              <a:buClr>
-                <a:srgbClr val="000000"/>
-              </a:buClr>
-              <a:buSzTx/>
-              <a:buFont typeface="Arial" panose="020B0604020202020204" pitchFamily="34" charset="0"/>
-              <a:buNone/>
-              <a:tabLst/>
-              <a:defRPr/>
-            </a:pPr>
+            <a:pPr eaLnBrk="1" hangingPunct="1"/>
             <a:r>
-              <a:rPr kumimoji="0" lang="en-US" altLang="en-US" sz="1400" b="1" i="0" u="none" strike="noStrike" kern="1200" cap="none" spc="0" normalizeH="0" baseline="0" noProof="0" dirty="0">
-                <a:ln>
-                  <a:noFill/>
-                </a:ln>
+              <a:rPr lang="en-US" altLang="en-US" b="1" dirty="0">
                 <a:solidFill>
                   <a:srgbClr val="595959"/>
                 </a:solidFill>
-                <a:effectLst/>
-                <a:uLnTx/>
-                <a:uFillTx/>
-                <a:latin typeface="Arial" panose="020B0604020202020204" pitchFamily="34" charset="0"/>
-                <a:ea typeface="+mn-ea"/>
-                <a:cs typeface="Arial" panose="020B0604020202020204" pitchFamily="34" charset="0"/>
-                <a:sym typeface="Arial" panose="020B0604020202020204" pitchFamily="34" charset="0"/>
               </a:rPr>
-              <a:t>MAJOR PROJECT – FINAL REVIEW</a:t>
+              <a:t>MAJOR PROJECT - FINAL REVIEW</a:t>
             </a:r>
           </a:p>
         </p:txBody>

--- a/FINAL_YEAR_PROJECT_PPT.pptx
+++ b/FINAL_YEAR_PROJECT_PPT.pptx
@@ -18904,10 +18904,15 @@
                 <a:solidFill>
                   <a:srgbClr val="1A1A1A"/>
                 </a:solidFill>
+                <a:latin typeface="Times New Roman" panose="02020603050405020304" pitchFamily="18" charset="0"/>
+                <a:cs typeface="Times New Roman" panose="02020603050405020304" pitchFamily="18" charset="0"/>
               </a:rPr>
               <a:t>	</a:t>
             </a:r>
-            <a:endParaRPr lang="en-IN" sz="1800" dirty="0"/>
+            <a:endParaRPr lang="en-IN" sz="1800" dirty="0">
+              <a:latin typeface="Times New Roman" panose="02020603050405020304" pitchFamily="18" charset="0"/>
+              <a:cs typeface="Times New Roman" panose="02020603050405020304" pitchFamily="18" charset="0"/>
+            </a:endParaRPr>
           </a:p>
         </p:txBody>
       </p:sp>
@@ -24953,7 +24958,7 @@
         </p:nvSpPr>
         <p:spPr bwMode="auto">
           <a:xfrm>
-            <a:off x="317241" y="1647825"/>
+            <a:off x="353883" y="1782095"/>
             <a:ext cx="8436233" cy="1261884"/>
           </a:xfrm>
           <a:prstGeom prst="rect">
@@ -25145,7 +25150,7 @@
                 <a:spcPts val="600"/>
               </a:spcAft>
               <a:buFont typeface="Wingdings" panose="05000000000000000000" pitchFamily="2" charset="2"/>
-              <a:buChar char="ü"/>
+              <a:buChar char="Ø"/>
             </a:pPr>
             <a:r>
               <a:rPr lang="en-US" altLang="en-US" sz="2200" dirty="0" err="1">
@@ -25168,7 +25173,7 @@
                 <a:spcPts val="600"/>
               </a:spcAft>
               <a:buFont typeface="Wingdings" panose="05000000000000000000" pitchFamily="2" charset="2"/>
-              <a:buChar char="ü"/>
+              <a:buChar char="Ø"/>
             </a:pPr>
             <a:r>
               <a:rPr lang="en-US" altLang="en-US" sz="2200" dirty="0">
@@ -25184,7 +25189,7 @@
                 <a:spcPts val="600"/>
               </a:spcAft>
               <a:buFont typeface="Wingdings" panose="05000000000000000000" pitchFamily="2" charset="2"/>
-              <a:buChar char="ü"/>
+              <a:buChar char="Ø"/>
             </a:pPr>
             <a:r>
               <a:rPr lang="en-US" altLang="en-US" sz="2200" dirty="0">
@@ -25428,7 +25433,7 @@
         </p:nvSpPr>
         <p:spPr bwMode="auto">
           <a:xfrm>
-            <a:off x="317239" y="3273650"/>
+            <a:off x="353883" y="3422890"/>
             <a:ext cx="8436233" cy="438149"/>
           </a:xfrm>
           <a:prstGeom prst="rect">
@@ -25642,7 +25647,7 @@
         </p:nvSpPr>
         <p:spPr>
           <a:xfrm>
-            <a:off x="317239" y="4374220"/>
+            <a:off x="353883" y="4221236"/>
             <a:ext cx="8436233" cy="1261884"/>
           </a:xfrm>
           <a:prstGeom prst="rect">
@@ -25661,7 +25666,7 @@
                 <a:spcPts val="600"/>
               </a:spcAft>
               <a:buFont typeface="Wingdings" panose="05000000000000000000" pitchFamily="2" charset="2"/>
-              <a:buChar char="ü"/>
+              <a:buChar char="v"/>
             </a:pPr>
             <a:r>
               <a:rPr lang="en-US" sz="2200" dirty="0">
@@ -25677,7 +25682,7 @@
                 <a:spcPts val="600"/>
               </a:spcAft>
               <a:buFont typeface="Wingdings" panose="05000000000000000000" pitchFamily="2" charset="2"/>
-              <a:buChar char="ü"/>
+              <a:buChar char="v"/>
             </a:pPr>
             <a:r>
               <a:rPr lang="en-US" sz="2200" dirty="0">
@@ -25693,7 +25698,7 @@
                 <a:spcPts val="600"/>
               </a:spcAft>
               <a:buFont typeface="Wingdings" panose="05000000000000000000" pitchFamily="2" charset="2"/>
-              <a:buChar char="ü"/>
+              <a:buChar char="v"/>
             </a:pPr>
             <a:r>
               <a:rPr lang="en-US" sz="2200" dirty="0">
